--- a/ict_김도엽.pptx
+++ b/ict_김도엽.pptx
@@ -5,7 +5,7 @@
     <p:sldMasterId id="2147483648" r:id="rId1"/>
   </p:sldMasterIdLst>
   <p:notesMasterIdLst>
-    <p:notesMasterId r:id="rId17"/>
+    <p:notesMasterId r:id="rId16"/>
   </p:notesMasterIdLst>
   <p:sldIdLst>
     <p:sldId id="256" r:id="rId2"/>
@@ -20,9 +20,8 @@
     <p:sldId id="265" r:id="rId11"/>
     <p:sldId id="266" r:id="rId12"/>
     <p:sldId id="267" r:id="rId13"/>
-    <p:sldId id="270" r:id="rId14"/>
-    <p:sldId id="268" r:id="rId15"/>
-    <p:sldId id="269" r:id="rId16"/>
+    <p:sldId id="268" r:id="rId14"/>
+    <p:sldId id="269" r:id="rId15"/>
   </p:sldIdLst>
   <p:sldSz cx="12192000" cy="6858000"/>
   <p:notesSz cx="6858000" cy="9144000"/>
@@ -121,6 +120,11 @@
       </a:defRPr>
     </a:lvl9pPr>
   </p:defaultTextStyle>
+  <p:extLst>
+    <p:ext uri="{EFAFB233-063F-42B5-8137-9DF3F51BA10A}">
+      <p15:sldGuideLst xmlns:p15="http://schemas.microsoft.com/office/powerpoint/2012/main"/>
+    </p:ext>
+  </p:extLst>
 </p:presentation>
 </file>
 
@@ -206,7 +210,7 @@
           <a:p>
             <a:fld id="{459C4442-06D1-41C7-B15A-43CFE4DF79D7}" type="datetimeFigureOut">
               <a:rPr lang="ko-KR" altLang="en-US" smtClean="0"/>
-              <a:t>2020-10-22</a:t>
+              <a:t>2020-10-28</a:t>
             </a:fld>
             <a:endParaRPr lang="ko-KR" altLang="en-US"/>
           </a:p>
@@ -2715,31 +2719,7 @@
                 <a:ea typeface="+mn-ea"/>
                 <a:cs typeface="+mn-cs"/>
               </a:rPr>
-              <a:t>문제점</a:t>
-            </a:r>
-            <a:r>
-              <a:rPr lang="en-US" altLang="ko-KR" sz="1200" b="1" kern="1200" dirty="0">
-                <a:solidFill>
-                  <a:schemeClr val="tx1"/>
-                </a:solidFill>
-                <a:effectLst/>
-                <a:latin typeface="+mn-lt"/>
-                <a:ea typeface="+mn-ea"/>
-                <a:cs typeface="+mn-cs"/>
-              </a:rPr>
-              <a:t>, </a:t>
-            </a:r>
-            <a:r>
-              <a:rPr lang="ko-KR" altLang="en-US" sz="1200" b="1" kern="1200" dirty="0">
-                <a:solidFill>
-                  <a:schemeClr val="tx1"/>
-                </a:solidFill>
-                <a:effectLst/>
-                <a:latin typeface="+mn-lt"/>
-                <a:ea typeface="+mn-ea"/>
-                <a:cs typeface="+mn-cs"/>
-              </a:rPr>
-              <a:t>해결 방안</a:t>
+              <a:t>장병</a:t>
             </a:r>
             <a:endParaRPr lang="ko-KR" altLang="en-US" sz="1200" kern="1200" dirty="0">
               <a:solidFill>
@@ -2763,19 +2743,7 @@
                 <a:ea typeface="+mn-ea"/>
                 <a:cs typeface="+mn-cs"/>
               </a:rPr>
-              <a:t>∘ </a:t>
-            </a:r>
-            <a:r>
-              <a:rPr lang="en-US" altLang="ko-KR" sz="1200" kern="1200" dirty="0" err="1">
-                <a:solidFill>
-                  <a:schemeClr val="tx1"/>
-                </a:solidFill>
-                <a:effectLst/>
-                <a:latin typeface="+mn-lt"/>
-                <a:ea typeface="+mn-ea"/>
-                <a:cs typeface="+mn-cs"/>
-              </a:rPr>
-              <a:t>ArmyShare</a:t>
+              <a:t>∘ 군 생활을 하면서 필요했던 여러 가지 물건 </a:t>
             </a:r>
             <a:r>
               <a:rPr lang="en-US" altLang="ko-KR" sz="1200" kern="1200" dirty="0">
@@ -2787,7 +2755,7 @@
                 <a:ea typeface="+mn-ea"/>
                 <a:cs typeface="+mn-cs"/>
               </a:rPr>
-              <a:t> </a:t>
+              <a:t>(</a:t>
             </a:r>
             <a:r>
               <a:rPr lang="ko-KR" altLang="en-US" sz="1200" kern="1200" dirty="0">
@@ -2799,7 +2767,7 @@
                 <a:ea typeface="+mn-ea"/>
                 <a:cs typeface="+mn-cs"/>
               </a:rPr>
-              <a:t>서비스의 문제점은 초반 사용자 커뮤니티 분위기 형성이 동반되어야 한다는 것입니다</a:t>
+              <a:t>생필품</a:t>
             </a:r>
             <a:r>
               <a:rPr lang="en-US" altLang="ko-KR" sz="1200" kern="1200" dirty="0">
@@ -2811,7 +2779,7 @@
                 <a:ea typeface="+mn-ea"/>
                 <a:cs typeface="+mn-cs"/>
               </a:rPr>
-              <a:t>. </a:t>
+              <a:t>, </a:t>
             </a:r>
             <a:r>
               <a:rPr lang="ko-KR" altLang="en-US" sz="1200" kern="1200" dirty="0">
@@ -2823,7 +2791,55 @@
                 <a:ea typeface="+mn-ea"/>
                 <a:cs typeface="+mn-cs"/>
               </a:rPr>
-              <a:t>사용자가 그저 무료로 물건들을 막무가내로 수혜 받는다면 공유경제의 의미는 사라지고 구걸의 장으로 전락할 것입니다</a:t>
+              <a:t>보급품 등</a:t>
+            </a:r>
+            <a:r>
+              <a:rPr lang="en-US" altLang="ko-KR" sz="1200" kern="1200" dirty="0">
+                <a:solidFill>
+                  <a:schemeClr val="tx1"/>
+                </a:solidFill>
+                <a:effectLst/>
+                <a:latin typeface="+mn-lt"/>
+                <a:ea typeface="+mn-ea"/>
+                <a:cs typeface="+mn-cs"/>
+              </a:rPr>
+              <a:t>)</a:t>
+            </a:r>
+            <a:r>
+              <a:rPr lang="ko-KR" altLang="en-US" sz="1200" kern="1200" dirty="0">
+                <a:solidFill>
+                  <a:schemeClr val="tx1"/>
+                </a:solidFill>
+                <a:effectLst/>
+                <a:latin typeface="+mn-lt"/>
+                <a:ea typeface="+mn-ea"/>
+                <a:cs typeface="+mn-cs"/>
+              </a:rPr>
+              <a:t>을 자신이 필요하지 않은 물건을 제공함으로써 공유 </a:t>
+            </a:r>
+            <a:r>
+              <a:rPr lang="ko-KR" altLang="en-US" sz="1200" kern="1200" dirty="0" err="1">
+                <a:solidFill>
+                  <a:schemeClr val="tx1"/>
+                </a:solidFill>
+                <a:effectLst/>
+                <a:latin typeface="+mn-lt"/>
+                <a:ea typeface="+mn-ea"/>
+                <a:cs typeface="+mn-cs"/>
+              </a:rPr>
+              <a:t>받을수</a:t>
+            </a:r>
+            <a:r>
+              <a:rPr lang="ko-KR" altLang="en-US" sz="1200" kern="1200" dirty="0">
+                <a:solidFill>
+                  <a:schemeClr val="tx1"/>
+                </a:solidFill>
+                <a:effectLst/>
+                <a:latin typeface="+mn-lt"/>
+                <a:ea typeface="+mn-ea"/>
+                <a:cs typeface="+mn-cs"/>
+              </a:rPr>
+              <a:t> 있습니다</a:t>
             </a:r>
             <a:r>
               <a:rPr lang="en-US" altLang="ko-KR" sz="1200" kern="1200" dirty="0">
@@ -2859,7 +2875,7 @@
                 <a:ea typeface="+mn-ea"/>
                 <a:cs typeface="+mn-cs"/>
               </a:rPr>
-              <a:t>∘ 이는 포인트 제도로 해결이 가능합니다</a:t>
+              <a:t>∘ 물품을 다량 제공한 사용자에게 성취감을 부여하고 부대와 연계하여 상점</a:t>
             </a:r>
             <a:r>
               <a:rPr lang="en-US" altLang="ko-KR" sz="1200" kern="1200" dirty="0">
@@ -2871,7 +2887,19 @@
                 <a:ea typeface="+mn-ea"/>
                 <a:cs typeface="+mn-cs"/>
               </a:rPr>
-              <a:t>. </a:t>
+              <a:t>, </a:t>
+            </a:r>
+            <a:r>
+              <a:rPr lang="ko-KR" altLang="en-US" sz="1200" kern="1200" dirty="0" err="1">
+                <a:solidFill>
+                  <a:schemeClr val="tx1"/>
+                </a:solidFill>
+                <a:effectLst/>
+                <a:latin typeface="+mn-lt"/>
+                <a:ea typeface="+mn-ea"/>
+                <a:cs typeface="+mn-cs"/>
+              </a:rPr>
+              <a:t>휴가등의</a:t>
             </a:r>
             <a:r>
               <a:rPr lang="ko-KR" altLang="en-US" sz="1200" kern="1200" dirty="0">
@@ -2883,31 +2911,7 @@
                 <a:ea typeface="+mn-ea"/>
                 <a:cs typeface="+mn-cs"/>
               </a:rPr>
-              <a:t>자신이 물건을 공유해야만 공유 받을 수 있다는 당연한 논리를 통해 커뮤니티 분위기는 형성되고 모든 사용자가 정당하게 물건을 공유하고 </a:t>
-            </a:r>
-            <a:r>
-              <a:rPr lang="ko-KR" altLang="en-US" sz="1200" kern="1200" dirty="0" err="1">
-                <a:solidFill>
-                  <a:schemeClr val="tx1"/>
-                </a:solidFill>
-                <a:effectLst/>
-                <a:latin typeface="+mn-lt"/>
-                <a:ea typeface="+mn-ea"/>
-                <a:cs typeface="+mn-cs"/>
-              </a:rPr>
-              <a:t>공유받을</a:t>
-            </a:r>
-            <a:r>
-              <a:rPr lang="ko-KR" altLang="en-US" sz="1200" kern="1200" dirty="0">
-                <a:solidFill>
-                  <a:schemeClr val="tx1"/>
-                </a:solidFill>
-                <a:effectLst/>
-                <a:latin typeface="+mn-lt"/>
-                <a:ea typeface="+mn-ea"/>
-                <a:cs typeface="+mn-cs"/>
-              </a:rPr>
-              <a:t> 것입니다</a:t>
+              <a:t> 포상을 부여할 수 있습니다</a:t>
             </a:r>
             <a:r>
               <a:rPr lang="en-US" altLang="ko-KR" sz="1200" kern="1200" dirty="0">
@@ -2929,6 +2933,208 @@
               <a:latin typeface="+mn-lt"/>
               <a:ea typeface="+mn-ea"/>
               <a:cs typeface="+mn-cs"/>
+            </a:endParaRPr>
+          </a:p>
+          <a:p>
+            <a:pPr marL="0" marR="0" indent="0" algn="just" fontAlgn="base" latinLnBrk="1">
+              <a:lnSpc>
+                <a:spcPct val="160000"/>
+              </a:lnSpc>
+              <a:spcBef>
+                <a:spcPts val="0"/>
+              </a:spcBef>
+              <a:spcAft>
+                <a:spcPts val="0"/>
+              </a:spcAft>
+            </a:pPr>
+            <a:r>
+              <a:rPr lang="en-US" altLang="ko-KR" sz="1200" b="1" kern="1200" dirty="0">
+                <a:solidFill>
+                  <a:schemeClr val="tx1"/>
+                </a:solidFill>
+                <a:effectLst/>
+                <a:latin typeface="+mn-lt"/>
+                <a:ea typeface="+mn-ea"/>
+                <a:cs typeface="+mn-cs"/>
+              </a:rPr>
+              <a:t>- </a:t>
+            </a:r>
+            <a:r>
+              <a:rPr lang="ko-KR" altLang="en-US" sz="1200" b="1" kern="1200" dirty="0">
+                <a:solidFill>
+                  <a:schemeClr val="tx1"/>
+                </a:solidFill>
+                <a:effectLst/>
+                <a:latin typeface="+mn-lt"/>
+                <a:ea typeface="+mn-ea"/>
+                <a:cs typeface="+mn-cs"/>
+              </a:rPr>
+              <a:t>부대</a:t>
+            </a:r>
+            <a:endParaRPr lang="ko-KR" altLang="en-US" sz="1800" kern="0" spc="0" dirty="0">
+              <a:solidFill>
+                <a:srgbClr val="000000"/>
+              </a:solidFill>
+              <a:effectLst/>
+              <a:latin typeface="바탕" panose="02030600000101010101" pitchFamily="18" charset="-127"/>
+              <a:ea typeface="바탕" panose="02030600000101010101" pitchFamily="18" charset="-127"/>
+            </a:endParaRPr>
+          </a:p>
+          <a:p>
+            <a:pPr marL="0" marR="0" indent="0" algn="just" fontAlgn="base" latinLnBrk="1">
+              <a:lnSpc>
+                <a:spcPct val="160000"/>
+              </a:lnSpc>
+              <a:spcBef>
+                <a:spcPts val="0"/>
+              </a:spcBef>
+              <a:spcAft>
+                <a:spcPts val="0"/>
+              </a:spcAft>
+            </a:pPr>
+            <a:r>
+              <a:rPr lang="en-US" altLang="ko-KR" sz="1800" b="1" kern="0" spc="0" dirty="0">
+                <a:solidFill>
+                  <a:srgbClr val="000000"/>
+                </a:solidFill>
+                <a:effectLst/>
+                <a:latin typeface="바탕" panose="02030600000101010101" pitchFamily="18" charset="-127"/>
+              </a:rPr>
+              <a:t>- </a:t>
+            </a:r>
+            <a:r>
+              <a:rPr lang="ko-KR" altLang="en-US" sz="1800" b="1" kern="0" spc="0" dirty="0">
+                <a:solidFill>
+                  <a:srgbClr val="000000"/>
+                </a:solidFill>
+                <a:effectLst/>
+                <a:ea typeface="바탕" panose="02030600000101010101" pitchFamily="18" charset="-127"/>
+              </a:rPr>
+              <a:t>부대</a:t>
+            </a:r>
+            <a:endParaRPr lang="ko-KR" altLang="en-US" sz="1800" b="1" kern="0" spc="0" dirty="0">
+              <a:solidFill>
+                <a:srgbClr val="000000"/>
+              </a:solidFill>
+              <a:effectLst/>
+            </a:endParaRPr>
+          </a:p>
+          <a:p>
+            <a:pPr marL="0" marR="0" indent="0" algn="just" fontAlgn="base" latinLnBrk="1">
+              <a:lnSpc>
+                <a:spcPct val="160000"/>
+              </a:lnSpc>
+              <a:spcBef>
+                <a:spcPts val="0"/>
+              </a:spcBef>
+              <a:spcAft>
+                <a:spcPts val="0"/>
+              </a:spcAft>
+            </a:pPr>
+            <a:r>
+              <a:rPr lang="ko-KR" altLang="en-US" sz="1800" kern="0" spc="0" dirty="0">
+                <a:solidFill>
+                  <a:srgbClr val="000000"/>
+                </a:solidFill>
+                <a:effectLst/>
+                <a:ea typeface="바탕" panose="02030600000101010101" pitchFamily="18" charset="-127"/>
+              </a:rPr>
+              <a:t>∘ 보급품</a:t>
+            </a:r>
+            <a:r>
+              <a:rPr lang="en-US" altLang="ko-KR" sz="1800" kern="0" spc="0" dirty="0">
+                <a:solidFill>
+                  <a:srgbClr val="000000"/>
+                </a:solidFill>
+                <a:effectLst/>
+                <a:latin typeface="바탕" panose="02030600000101010101" pitchFamily="18" charset="-127"/>
+              </a:rPr>
+              <a:t>, </a:t>
+            </a:r>
+            <a:r>
+              <a:rPr lang="ko-KR" altLang="en-US" sz="1800" kern="0" spc="0" dirty="0">
+                <a:solidFill>
+                  <a:srgbClr val="000000"/>
+                </a:solidFill>
+                <a:effectLst/>
+                <a:ea typeface="바탕" panose="02030600000101010101" pitchFamily="18" charset="-127"/>
+              </a:rPr>
+              <a:t>기타 물품 등 처리하기 어려웠던</a:t>
+            </a:r>
+            <a:r>
+              <a:rPr lang="en-US" altLang="ko-KR" sz="1800" kern="0" spc="0" dirty="0">
+                <a:solidFill>
+                  <a:srgbClr val="000000"/>
+                </a:solidFill>
+                <a:effectLst/>
+                <a:latin typeface="바탕" panose="02030600000101010101" pitchFamily="18" charset="-127"/>
+              </a:rPr>
+              <a:t>, </a:t>
+            </a:r>
+            <a:r>
+              <a:rPr lang="ko-KR" altLang="en-US" sz="1800" kern="0" spc="0" dirty="0">
+                <a:solidFill>
+                  <a:srgbClr val="000000"/>
+                </a:solidFill>
+                <a:effectLst/>
+                <a:ea typeface="바탕" panose="02030600000101010101" pitchFamily="18" charset="-127"/>
+              </a:rPr>
+              <a:t>폐기해야만 하는 물품들을 다른 부대에 공유함으로써 낭비를 방지할 수 있습니다</a:t>
+            </a:r>
+            <a:r>
+              <a:rPr lang="en-US" altLang="ko-KR" sz="1800" kern="0" spc="0" dirty="0">
+                <a:solidFill>
+                  <a:srgbClr val="000000"/>
+                </a:solidFill>
+                <a:effectLst/>
+                <a:latin typeface="바탕" panose="02030600000101010101" pitchFamily="18" charset="-127"/>
+              </a:rPr>
+              <a:t>.</a:t>
+            </a:r>
+            <a:endParaRPr lang="ko-KR" altLang="en-US" sz="1800" kern="0" spc="0" dirty="0">
+              <a:solidFill>
+                <a:srgbClr val="000000"/>
+              </a:solidFill>
+              <a:effectLst/>
+            </a:endParaRPr>
+          </a:p>
+          <a:p>
+            <a:pPr marL="0" marR="0" indent="0" algn="just" fontAlgn="base" latinLnBrk="1">
+              <a:lnSpc>
+                <a:spcPct val="160000"/>
+              </a:lnSpc>
+              <a:spcBef>
+                <a:spcPts val="0"/>
+              </a:spcBef>
+              <a:spcAft>
+                <a:spcPts val="0"/>
+              </a:spcAft>
+            </a:pPr>
+            <a:r>
+              <a:rPr lang="ko-KR" altLang="en-US" sz="1800" kern="0" spc="0" dirty="0">
+                <a:solidFill>
+                  <a:srgbClr val="000000"/>
+                </a:solidFill>
+                <a:effectLst/>
+                <a:ea typeface="바탕" panose="02030600000101010101" pitchFamily="18" charset="-127"/>
+              </a:rPr>
+              <a:t>∘ 병사들에게 서비스 사용을 권장하여 불필요하게 제기되는 소요들을 방지할 수 있습니다</a:t>
+            </a:r>
+            <a:r>
+              <a:rPr lang="en-US" altLang="ko-KR" sz="1800" kern="0" spc="0" dirty="0">
+                <a:solidFill>
+                  <a:srgbClr val="000000"/>
+                </a:solidFill>
+                <a:effectLst/>
+                <a:latin typeface="바탕" panose="02030600000101010101" pitchFamily="18" charset="-127"/>
+              </a:rPr>
+              <a:t>.</a:t>
+            </a:r>
+            <a:endParaRPr lang="ko-KR" altLang="en-US" sz="1800" kern="0" spc="0" dirty="0">
+              <a:solidFill>
+                <a:srgbClr val="000000"/>
+              </a:solidFill>
+              <a:effectLst/>
             </a:endParaRPr>
           </a:p>
           <a:p>
@@ -2962,7 +3168,7 @@
     </p:spTree>
     <p:extLst>
       <p:ext uri="{BB962C8B-B14F-4D97-AF65-F5344CB8AC3E}">
-        <p14:creationId xmlns:p14="http://schemas.microsoft.com/office/powerpoint/2010/main" val="509207916"/>
+        <p14:creationId xmlns:p14="http://schemas.microsoft.com/office/powerpoint/2010/main" val="3099883358"/>
       </p:ext>
     </p:extLst>
   </p:cSld>
@@ -3039,7 +3245,19 @@
                 <a:ea typeface="+mn-ea"/>
                 <a:cs typeface="+mn-cs"/>
               </a:rPr>
-              <a:t>장병</a:t>
+              <a:t>서비스 </a:t>
+            </a:r>
+            <a:r>
+              <a:rPr lang="en-US" altLang="ko-KR" sz="1200" b="1" kern="1200" dirty="0">
+                <a:solidFill>
+                  <a:schemeClr val="tx1"/>
+                </a:solidFill>
+                <a:effectLst/>
+                <a:latin typeface="+mn-lt"/>
+                <a:ea typeface="+mn-ea"/>
+                <a:cs typeface="+mn-cs"/>
+              </a:rPr>
+              <a:t>use-case</a:t>
             </a:r>
             <a:endParaRPr lang="ko-KR" altLang="en-US" sz="1200" kern="1200" dirty="0">
               <a:solidFill>
@@ -3063,7 +3281,19 @@
                 <a:ea typeface="+mn-ea"/>
                 <a:cs typeface="+mn-cs"/>
               </a:rPr>
-              <a:t>∘ 군 생활을 하면서 필요했던 여러 가지 물건 </a:t>
+              <a:t>∘ 곧 전역을 맞아 양말과 수건을 버리려고 한 김 병장은 </a:t>
+            </a:r>
+            <a:r>
+              <a:rPr lang="en-US" altLang="ko-KR" sz="1200" kern="1200" dirty="0" err="1">
+                <a:solidFill>
+                  <a:schemeClr val="tx1"/>
+                </a:solidFill>
+                <a:effectLst/>
+                <a:latin typeface="+mn-lt"/>
+                <a:ea typeface="+mn-ea"/>
+                <a:cs typeface="+mn-cs"/>
+              </a:rPr>
+              <a:t>ArmyShare</a:t>
             </a:r>
             <a:r>
               <a:rPr lang="en-US" altLang="ko-KR" sz="1200" kern="1200" dirty="0">
@@ -3075,7 +3305,7 @@
                 <a:ea typeface="+mn-ea"/>
                 <a:cs typeface="+mn-cs"/>
               </a:rPr>
-              <a:t>(</a:t>
+              <a:t> </a:t>
             </a:r>
             <a:r>
               <a:rPr lang="ko-KR" altLang="en-US" sz="1200" kern="1200" dirty="0">
@@ -3087,79 +3317,7 @@
                 <a:ea typeface="+mn-ea"/>
                 <a:cs typeface="+mn-cs"/>
               </a:rPr>
-              <a:t>생필품</a:t>
-            </a:r>
-            <a:r>
-              <a:rPr lang="en-US" altLang="ko-KR" sz="1200" kern="1200" dirty="0">
-                <a:solidFill>
-                  <a:schemeClr val="tx1"/>
-                </a:solidFill>
-                <a:effectLst/>
-                <a:latin typeface="+mn-lt"/>
-                <a:ea typeface="+mn-ea"/>
-                <a:cs typeface="+mn-cs"/>
-              </a:rPr>
-              <a:t>, </a:t>
-            </a:r>
-            <a:r>
-              <a:rPr lang="ko-KR" altLang="en-US" sz="1200" kern="1200" dirty="0">
-                <a:solidFill>
-                  <a:schemeClr val="tx1"/>
-                </a:solidFill>
-                <a:effectLst/>
-                <a:latin typeface="+mn-lt"/>
-                <a:ea typeface="+mn-ea"/>
-                <a:cs typeface="+mn-cs"/>
-              </a:rPr>
-              <a:t>보급품 등</a:t>
-            </a:r>
-            <a:r>
-              <a:rPr lang="en-US" altLang="ko-KR" sz="1200" kern="1200" dirty="0">
-                <a:solidFill>
-                  <a:schemeClr val="tx1"/>
-                </a:solidFill>
-                <a:effectLst/>
-                <a:latin typeface="+mn-lt"/>
-                <a:ea typeface="+mn-ea"/>
-                <a:cs typeface="+mn-cs"/>
-              </a:rPr>
-              <a:t>)</a:t>
-            </a:r>
-            <a:r>
-              <a:rPr lang="ko-KR" altLang="en-US" sz="1200" kern="1200" dirty="0">
-                <a:solidFill>
-                  <a:schemeClr val="tx1"/>
-                </a:solidFill>
-                <a:effectLst/>
-                <a:latin typeface="+mn-lt"/>
-                <a:ea typeface="+mn-ea"/>
-                <a:cs typeface="+mn-cs"/>
-              </a:rPr>
-              <a:t>을 자신이 필요하지 않은 물건을 제공함으로써 공유 </a:t>
-            </a:r>
-            <a:r>
-              <a:rPr lang="ko-KR" altLang="en-US" sz="1200" kern="1200" dirty="0" err="1">
-                <a:solidFill>
-                  <a:schemeClr val="tx1"/>
-                </a:solidFill>
-                <a:effectLst/>
-                <a:latin typeface="+mn-lt"/>
-                <a:ea typeface="+mn-ea"/>
-                <a:cs typeface="+mn-cs"/>
-              </a:rPr>
-              <a:t>받을수</a:t>
-            </a:r>
-            <a:r>
-              <a:rPr lang="ko-KR" altLang="en-US" sz="1200" kern="1200" dirty="0">
-                <a:solidFill>
-                  <a:schemeClr val="tx1"/>
-                </a:solidFill>
-                <a:effectLst/>
-                <a:latin typeface="+mn-lt"/>
-                <a:ea typeface="+mn-ea"/>
-                <a:cs typeface="+mn-cs"/>
-              </a:rPr>
-              <a:t> 있습니다</a:t>
+              <a:t>서비스를 이용해 보급품이 더 필요한 타 부대의 최 일병에게 제공하였다</a:t>
             </a:r>
             <a:r>
               <a:rPr lang="en-US" altLang="ko-KR" sz="1200" kern="1200" dirty="0">
@@ -3195,7 +3353,7 @@
                 <a:ea typeface="+mn-ea"/>
                 <a:cs typeface="+mn-cs"/>
               </a:rPr>
-              <a:t>∘ 물품을 다량 제공한 사용자에게 성취감을 부여하고 부대와 연계하여 상점</a:t>
+              <a:t>∘ </a:t>
             </a:r>
             <a:r>
               <a:rPr lang="en-US" altLang="ko-KR" sz="1200" kern="1200" dirty="0">
@@ -3207,19 +3365,55 @@
                 <a:ea typeface="+mn-ea"/>
                 <a:cs typeface="+mn-cs"/>
               </a:rPr>
+              <a:t>A </a:t>
+            </a:r>
+            <a:r>
+              <a:rPr lang="ko-KR" altLang="en-US" sz="1200" kern="1200" dirty="0">
+                <a:solidFill>
+                  <a:schemeClr val="tx1"/>
+                </a:solidFill>
+                <a:effectLst/>
+                <a:latin typeface="+mn-lt"/>
+                <a:ea typeface="+mn-ea"/>
+                <a:cs typeface="+mn-cs"/>
+              </a:rPr>
+              <a:t>부대에서 부식으로 제공된 컵라면이 많이 남아 처리할 방법이 곤란했지만</a:t>
+            </a:r>
+            <a:r>
+              <a:rPr lang="en-US" altLang="ko-KR" sz="1200" kern="1200" dirty="0">
+                <a:solidFill>
+                  <a:schemeClr val="tx1"/>
+                </a:solidFill>
+                <a:effectLst/>
+                <a:latin typeface="+mn-lt"/>
+                <a:ea typeface="+mn-ea"/>
+                <a:cs typeface="+mn-cs"/>
+              </a:rPr>
               <a:t>, </a:t>
             </a:r>
             <a:r>
-              <a:rPr lang="ko-KR" altLang="en-US" sz="1200" kern="1200" dirty="0" err="1">
-                <a:solidFill>
-                  <a:schemeClr val="tx1"/>
-                </a:solidFill>
-                <a:effectLst/>
-                <a:latin typeface="+mn-lt"/>
-                <a:ea typeface="+mn-ea"/>
-                <a:cs typeface="+mn-cs"/>
-              </a:rPr>
-              <a:t>휴가등의</a:t>
+              <a:rPr lang="en-US" altLang="ko-KR" sz="1200" kern="1200" dirty="0" err="1">
+                <a:solidFill>
+                  <a:schemeClr val="tx1"/>
+                </a:solidFill>
+                <a:effectLst/>
+                <a:latin typeface="+mn-lt"/>
+                <a:ea typeface="+mn-ea"/>
+                <a:cs typeface="+mn-cs"/>
+              </a:rPr>
+              <a:t>ArmyShare</a:t>
+            </a:r>
+            <a:r>
+              <a:rPr lang="en-US" altLang="ko-KR" sz="1200" kern="1200" dirty="0">
+                <a:solidFill>
+                  <a:schemeClr val="tx1"/>
+                </a:solidFill>
+                <a:effectLst/>
+                <a:latin typeface="+mn-lt"/>
+                <a:ea typeface="+mn-ea"/>
+                <a:cs typeface="+mn-cs"/>
+              </a:rPr>
+              <a:t> </a:t>
             </a:r>
             <a:r>
               <a:rPr lang="ko-KR" altLang="en-US" sz="1200" kern="1200" dirty="0">
@@ -3231,7 +3425,31 @@
                 <a:ea typeface="+mn-ea"/>
                 <a:cs typeface="+mn-cs"/>
               </a:rPr>
-              <a:t> 포상을 부여할 수 있습니다</a:t>
+              <a:t>서비스를 이용해 컵라면이 더 필요한 </a:t>
+            </a:r>
+            <a:r>
+              <a:rPr lang="en-US" altLang="ko-KR" sz="1200" kern="1200" dirty="0">
+                <a:solidFill>
+                  <a:schemeClr val="tx1"/>
+                </a:solidFill>
+                <a:effectLst/>
+                <a:latin typeface="+mn-lt"/>
+                <a:ea typeface="+mn-ea"/>
+                <a:cs typeface="+mn-cs"/>
+              </a:rPr>
+              <a:t>B </a:t>
+            </a:r>
+            <a:r>
+              <a:rPr lang="ko-KR" altLang="en-US" sz="1200" kern="1200" dirty="0">
+                <a:solidFill>
+                  <a:schemeClr val="tx1"/>
+                </a:solidFill>
+                <a:effectLst/>
+                <a:latin typeface="+mn-lt"/>
+                <a:ea typeface="+mn-ea"/>
+                <a:cs typeface="+mn-cs"/>
+              </a:rPr>
+              <a:t>부대에 제공하였다</a:t>
             </a:r>
             <a:r>
               <a:rPr lang="en-US" altLang="ko-KR" sz="1200" kern="1200" dirty="0">
@@ -3258,28 +3476,88 @@
           <a:p>
             <a:pPr fontAlgn="base" latinLnBrk="1"/>
             <a:r>
-              <a:rPr lang="en-US" altLang="ko-KR" sz="1200" b="1" kern="1200" dirty="0">
-                <a:solidFill>
-                  <a:schemeClr val="tx1"/>
-                </a:solidFill>
-                <a:effectLst/>
-                <a:latin typeface="+mn-lt"/>
-                <a:ea typeface="+mn-ea"/>
-                <a:cs typeface="+mn-cs"/>
-              </a:rPr>
-              <a:t>- </a:t>
-            </a:r>
-            <a:r>
-              <a:rPr lang="ko-KR" altLang="en-US" sz="1200" b="1" kern="1200" dirty="0">
-                <a:solidFill>
-                  <a:schemeClr val="tx1"/>
-                </a:solidFill>
-                <a:effectLst/>
-                <a:latin typeface="+mn-lt"/>
-                <a:ea typeface="+mn-ea"/>
-                <a:cs typeface="+mn-cs"/>
-              </a:rPr>
-              <a:t>부대</a:t>
+              <a:rPr lang="ko-KR" altLang="en-US" sz="1200" kern="1200" dirty="0">
+                <a:solidFill>
+                  <a:schemeClr val="tx1"/>
+                </a:solidFill>
+                <a:effectLst/>
+                <a:latin typeface="+mn-lt"/>
+                <a:ea typeface="+mn-ea"/>
+                <a:cs typeface="+mn-cs"/>
+              </a:rPr>
+              <a:t>∘ 자신에게 더 이상 필요하지 않은 손전등과 휴대폰 거치대를 </a:t>
+            </a:r>
+            <a:r>
+              <a:rPr lang="en-US" altLang="ko-KR" sz="1200" kern="1200" dirty="0" err="1">
+                <a:solidFill>
+                  <a:schemeClr val="tx1"/>
+                </a:solidFill>
+                <a:effectLst/>
+                <a:latin typeface="+mn-lt"/>
+                <a:ea typeface="+mn-ea"/>
+                <a:cs typeface="+mn-cs"/>
+              </a:rPr>
+              <a:t>ArmyShare</a:t>
+            </a:r>
+            <a:r>
+              <a:rPr lang="en-US" altLang="ko-KR" sz="1200" kern="1200" dirty="0">
+                <a:solidFill>
+                  <a:schemeClr val="tx1"/>
+                </a:solidFill>
+                <a:effectLst/>
+                <a:latin typeface="+mn-lt"/>
+                <a:ea typeface="+mn-ea"/>
+                <a:cs typeface="+mn-cs"/>
+              </a:rPr>
+              <a:t> </a:t>
+            </a:r>
+            <a:r>
+              <a:rPr lang="ko-KR" altLang="en-US" sz="1200" kern="1200" dirty="0">
+                <a:solidFill>
+                  <a:schemeClr val="tx1"/>
+                </a:solidFill>
+                <a:effectLst/>
+                <a:latin typeface="+mn-lt"/>
+                <a:ea typeface="+mn-ea"/>
+                <a:cs typeface="+mn-cs"/>
+              </a:rPr>
+              <a:t>서비스의 중개 거래 기능을 이용해 제공한 이 상병은</a:t>
+            </a:r>
+            <a:r>
+              <a:rPr lang="en-US" altLang="ko-KR" sz="1200" kern="1200" dirty="0">
+                <a:solidFill>
+                  <a:schemeClr val="tx1"/>
+                </a:solidFill>
+                <a:effectLst/>
+                <a:latin typeface="+mn-lt"/>
+                <a:ea typeface="+mn-ea"/>
+                <a:cs typeface="+mn-cs"/>
+              </a:rPr>
+              <a:t>, </a:t>
+            </a:r>
+            <a:r>
+              <a:rPr lang="ko-KR" altLang="en-US" sz="1200" kern="1200" dirty="0">
+                <a:solidFill>
+                  <a:schemeClr val="tx1"/>
+                </a:solidFill>
+                <a:effectLst/>
+                <a:latin typeface="+mn-lt"/>
+                <a:ea typeface="+mn-ea"/>
+                <a:cs typeface="+mn-cs"/>
+              </a:rPr>
+              <a:t>제공 후 받은 포인트를 이용해 자기에게 필요한 수저 통을 제공받았다</a:t>
+            </a:r>
+            <a:r>
+              <a:rPr lang="en-US" altLang="ko-KR" sz="1200" kern="1200" dirty="0">
+                <a:solidFill>
+                  <a:schemeClr val="tx1"/>
+                </a:solidFill>
+                <a:effectLst/>
+                <a:latin typeface="+mn-lt"/>
+                <a:ea typeface="+mn-ea"/>
+                <a:cs typeface="+mn-cs"/>
+              </a:rPr>
+              <a:t>.</a:t>
             </a:r>
             <a:endParaRPr lang="ko-KR" altLang="en-US" sz="1200" kern="1200" dirty="0">
               <a:solidFill>
@@ -3294,76 +3572,52 @@
           <a:p>
             <a:pPr fontAlgn="base" latinLnBrk="1"/>
             <a:r>
-              <a:rPr lang="ko-KR" altLang="en-US" sz="1200" kern="1200" dirty="0">
-                <a:solidFill>
-                  <a:schemeClr val="tx1"/>
-                </a:solidFill>
-                <a:effectLst/>
-                <a:latin typeface="+mn-lt"/>
-                <a:ea typeface="+mn-ea"/>
-                <a:cs typeface="+mn-cs"/>
-              </a:rPr>
-              <a:t>∘ 보급품</a:t>
-            </a:r>
-            <a:r>
-              <a:rPr lang="en-US" altLang="ko-KR" sz="1200" kern="1200" dirty="0">
-                <a:solidFill>
-                  <a:schemeClr val="tx1"/>
-                </a:solidFill>
-                <a:effectLst/>
-                <a:latin typeface="+mn-lt"/>
-                <a:ea typeface="+mn-ea"/>
-                <a:cs typeface="+mn-cs"/>
-              </a:rPr>
-              <a:t>, </a:t>
-            </a:r>
-            <a:r>
-              <a:rPr lang="ko-KR" altLang="en-US" sz="1200" kern="1200" dirty="0">
-                <a:solidFill>
-                  <a:schemeClr val="tx1"/>
-                </a:solidFill>
-                <a:effectLst/>
-                <a:latin typeface="+mn-lt"/>
-                <a:ea typeface="+mn-ea"/>
-                <a:cs typeface="+mn-cs"/>
-              </a:rPr>
-              <a:t>기타 물품 등 처리하기 어려웠던</a:t>
-            </a:r>
-            <a:r>
-              <a:rPr lang="en-US" altLang="ko-KR" sz="1200" kern="1200" dirty="0">
-                <a:solidFill>
-                  <a:schemeClr val="tx1"/>
-                </a:solidFill>
-                <a:effectLst/>
-                <a:latin typeface="+mn-lt"/>
-                <a:ea typeface="+mn-ea"/>
-                <a:cs typeface="+mn-cs"/>
-              </a:rPr>
-              <a:t>, </a:t>
-            </a:r>
-            <a:r>
-              <a:rPr lang="ko-KR" altLang="en-US" sz="1200" kern="1200" dirty="0">
-                <a:solidFill>
-                  <a:schemeClr val="tx1"/>
-                </a:solidFill>
-                <a:effectLst/>
-                <a:latin typeface="+mn-lt"/>
-                <a:ea typeface="+mn-ea"/>
-                <a:cs typeface="+mn-cs"/>
-              </a:rPr>
-              <a:t>폐기해야만 하는 물품들을 다른 부대에 공유함으로써 낭비를 방지할 수 있습니다</a:t>
-            </a:r>
-            <a:r>
-              <a:rPr lang="en-US" altLang="ko-KR" sz="1200" kern="1200" dirty="0">
-                <a:solidFill>
-                  <a:schemeClr val="tx1"/>
-                </a:solidFill>
-                <a:effectLst/>
-                <a:latin typeface="+mn-lt"/>
-                <a:ea typeface="+mn-ea"/>
-                <a:cs typeface="+mn-cs"/>
-              </a:rPr>
-              <a:t>.</a:t>
+              <a:rPr lang="en-US" altLang="ko-KR" sz="1200" b="1" kern="1200" dirty="0">
+                <a:solidFill>
+                  <a:schemeClr val="tx1"/>
+                </a:solidFill>
+                <a:effectLst/>
+                <a:latin typeface="+mn-lt"/>
+                <a:ea typeface="+mn-ea"/>
+                <a:cs typeface="+mn-cs"/>
+              </a:rPr>
+              <a:t>- </a:t>
+            </a:r>
+            <a:r>
+              <a:rPr lang="ko-KR" altLang="en-US" sz="1200" b="1" kern="1200" dirty="0">
+                <a:solidFill>
+                  <a:schemeClr val="tx1"/>
+                </a:solidFill>
+                <a:effectLst/>
+                <a:latin typeface="+mn-lt"/>
+                <a:ea typeface="+mn-ea"/>
+                <a:cs typeface="+mn-cs"/>
+              </a:rPr>
+              <a:t>물건 분류</a:t>
+            </a:r>
+            <a:r>
+              <a:rPr lang="en-US" altLang="ko-KR" sz="1200" b="1" kern="1200" dirty="0">
+                <a:solidFill>
+                  <a:schemeClr val="tx1"/>
+                </a:solidFill>
+                <a:effectLst/>
+                <a:latin typeface="+mn-lt"/>
+                <a:ea typeface="+mn-ea"/>
+                <a:cs typeface="+mn-cs"/>
+              </a:rPr>
+              <a:t>-</a:t>
+            </a:r>
+            <a:r>
+              <a:rPr lang="ko-KR" altLang="en-US" sz="1200" b="1" kern="1200" dirty="0">
+                <a:solidFill>
+                  <a:schemeClr val="tx1"/>
+                </a:solidFill>
+                <a:effectLst/>
+                <a:latin typeface="+mn-lt"/>
+                <a:ea typeface="+mn-ea"/>
+                <a:cs typeface="+mn-cs"/>
+              </a:rPr>
+              <a:t>가치 평가 기술</a:t>
             </a:r>
             <a:endParaRPr lang="ko-KR" altLang="en-US" sz="1200" kern="1200" dirty="0">
               <a:solidFill>
@@ -3387,7 +3641,31 @@
                 <a:ea typeface="+mn-ea"/>
                 <a:cs typeface="+mn-cs"/>
               </a:rPr>
-              <a:t>∘ 병사들에게 서비스 사용을 권장하여 불필요하게 제기되는 소요들을 방지할 수 있습니다</a:t>
+              <a:t>∘ 이 기술은 여러 가지 물건을 분류</a:t>
+            </a:r>
+            <a:r>
+              <a:rPr lang="en-US" altLang="ko-KR" sz="1200" kern="1200" dirty="0">
+                <a:solidFill>
+                  <a:schemeClr val="tx1"/>
+                </a:solidFill>
+                <a:effectLst/>
+                <a:latin typeface="+mn-lt"/>
+                <a:ea typeface="+mn-ea"/>
+                <a:cs typeface="+mn-cs"/>
+              </a:rPr>
+              <a:t>, </a:t>
+            </a:r>
+            <a:r>
+              <a:rPr lang="ko-KR" altLang="en-US" sz="1200" kern="1200" dirty="0">
+                <a:solidFill>
+                  <a:schemeClr val="tx1"/>
+                </a:solidFill>
+                <a:effectLst/>
+                <a:latin typeface="+mn-lt"/>
+                <a:ea typeface="+mn-ea"/>
+                <a:cs typeface="+mn-cs"/>
+              </a:rPr>
+              <a:t>평가하고 그 데이터를 활용해야 하는 기업에서 활용 될 수 있습니다</a:t>
             </a:r>
             <a:r>
               <a:rPr lang="en-US" altLang="ko-KR" sz="1200" kern="1200" dirty="0">
@@ -3434,558 +3712,6 @@
             <a:fld id="{05829EC2-BF0D-4C7B-B0EE-84E9654A7392}" type="slidenum">
               <a:rPr lang="ko-KR" altLang="en-US" smtClean="0"/>
               <a:t>14</a:t>
-            </a:fld>
-            <a:endParaRPr lang="ko-KR" altLang="en-US"/>
-          </a:p>
-        </p:txBody>
-      </p:sp>
-    </p:spTree>
-    <p:extLst>
-      <p:ext uri="{BB962C8B-B14F-4D97-AF65-F5344CB8AC3E}">
-        <p14:creationId xmlns:p14="http://schemas.microsoft.com/office/powerpoint/2010/main" val="3099883358"/>
-      </p:ext>
-    </p:extLst>
-  </p:cSld>
-  <p:clrMapOvr>
-    <a:masterClrMapping/>
-  </p:clrMapOvr>
-</p:notes>
-</file>
-
-<file path=ppt/notesSlides/notesSlide14.xml><?xml version="1.0" encoding="utf-8"?>
-<p:notes xmlns:a="http://schemas.openxmlformats.org/drawingml/2006/main" xmlns:r="http://schemas.openxmlformats.org/officeDocument/2006/relationships" xmlns:p="http://schemas.openxmlformats.org/presentationml/2006/main">
-  <p:cSld>
-    <p:spTree>
-      <p:nvGrpSpPr>
-        <p:cNvPr id="1" name=""/>
-        <p:cNvGrpSpPr/>
-        <p:nvPr/>
-      </p:nvGrpSpPr>
-      <p:grpSpPr>
-        <a:xfrm>
-          <a:off x="0" y="0"/>
-          <a:ext cx="0" cy="0"/>
-          <a:chOff x="0" y="0"/>
-          <a:chExt cx="0" cy="0"/>
-        </a:xfrm>
-      </p:grpSpPr>
-      <p:sp>
-        <p:nvSpPr>
-          <p:cNvPr id="2" name="슬라이드 이미지 개체 틀 1"/>
-          <p:cNvSpPr>
-            <a:spLocks noGrp="1" noRot="1" noChangeAspect="1"/>
-          </p:cNvSpPr>
-          <p:nvPr>
-            <p:ph type="sldImg"/>
-          </p:nvPr>
-        </p:nvSpPr>
-        <p:spPr/>
-      </p:sp>
-      <p:sp>
-        <p:nvSpPr>
-          <p:cNvPr id="3" name="슬라이드 노트 개체 틀 2"/>
-          <p:cNvSpPr>
-            <a:spLocks noGrp="1"/>
-          </p:cNvSpPr>
-          <p:nvPr>
-            <p:ph type="body" idx="1"/>
-          </p:nvPr>
-        </p:nvSpPr>
-        <p:spPr/>
-        <p:txBody>
-          <a:bodyPr/>
-          <a:lstStyle/>
-          <a:p>
-            <a:pPr fontAlgn="base" latinLnBrk="1"/>
-            <a:r>
-              <a:rPr lang="en-US" altLang="ko-KR" sz="1200" b="1" kern="1200" dirty="0">
-                <a:solidFill>
-                  <a:schemeClr val="tx1"/>
-                </a:solidFill>
-                <a:effectLst/>
-                <a:latin typeface="+mn-lt"/>
-                <a:ea typeface="+mn-ea"/>
-                <a:cs typeface="+mn-cs"/>
-              </a:rPr>
-              <a:t>- </a:t>
-            </a:r>
-            <a:r>
-              <a:rPr lang="ko-KR" altLang="en-US" sz="1200" b="1" kern="1200" dirty="0">
-                <a:solidFill>
-                  <a:schemeClr val="tx1"/>
-                </a:solidFill>
-                <a:effectLst/>
-                <a:latin typeface="+mn-lt"/>
-                <a:ea typeface="+mn-ea"/>
-                <a:cs typeface="+mn-cs"/>
-              </a:rPr>
-              <a:t>서비스 </a:t>
-            </a:r>
-            <a:r>
-              <a:rPr lang="en-US" altLang="ko-KR" sz="1200" b="1" kern="1200" dirty="0">
-                <a:solidFill>
-                  <a:schemeClr val="tx1"/>
-                </a:solidFill>
-                <a:effectLst/>
-                <a:latin typeface="+mn-lt"/>
-                <a:ea typeface="+mn-ea"/>
-                <a:cs typeface="+mn-cs"/>
-              </a:rPr>
-              <a:t>use-case</a:t>
-            </a:r>
-            <a:endParaRPr lang="ko-KR" altLang="en-US" sz="1200" kern="1200" dirty="0">
-              <a:solidFill>
-                <a:schemeClr val="tx1"/>
-              </a:solidFill>
-              <a:effectLst/>
-              <a:latin typeface="+mn-lt"/>
-              <a:ea typeface="+mn-ea"/>
-              <a:cs typeface="+mn-cs"/>
-            </a:endParaRPr>
-          </a:p>
-          <a:p>
-            <a:pPr fontAlgn="base" latinLnBrk="1"/>
-            <a:r>
-              <a:rPr lang="ko-KR" altLang="en-US" sz="1200" kern="1200" dirty="0">
-                <a:solidFill>
-                  <a:schemeClr val="tx1"/>
-                </a:solidFill>
-                <a:effectLst/>
-                <a:latin typeface="+mn-lt"/>
-                <a:ea typeface="+mn-ea"/>
-                <a:cs typeface="+mn-cs"/>
-              </a:rPr>
-              <a:t>∘ 곧 전역을 맞아 양말과 수건을 버리려고 한 김 병장은 </a:t>
-            </a:r>
-            <a:r>
-              <a:rPr lang="en-US" altLang="ko-KR" sz="1200" kern="1200" dirty="0" err="1">
-                <a:solidFill>
-                  <a:schemeClr val="tx1"/>
-                </a:solidFill>
-                <a:effectLst/>
-                <a:latin typeface="+mn-lt"/>
-                <a:ea typeface="+mn-ea"/>
-                <a:cs typeface="+mn-cs"/>
-              </a:rPr>
-              <a:t>ArmyShare</a:t>
-            </a:r>
-            <a:r>
-              <a:rPr lang="en-US" altLang="ko-KR" sz="1200" kern="1200" dirty="0">
-                <a:solidFill>
-                  <a:schemeClr val="tx1"/>
-                </a:solidFill>
-                <a:effectLst/>
-                <a:latin typeface="+mn-lt"/>
-                <a:ea typeface="+mn-ea"/>
-                <a:cs typeface="+mn-cs"/>
-              </a:rPr>
-              <a:t> </a:t>
-            </a:r>
-            <a:r>
-              <a:rPr lang="ko-KR" altLang="en-US" sz="1200" kern="1200" dirty="0">
-                <a:solidFill>
-                  <a:schemeClr val="tx1"/>
-                </a:solidFill>
-                <a:effectLst/>
-                <a:latin typeface="+mn-lt"/>
-                <a:ea typeface="+mn-ea"/>
-                <a:cs typeface="+mn-cs"/>
-              </a:rPr>
-              <a:t>서비스를 이용해 보급품이 더 필요한 타 부대의 최 일병에게 제공하였다</a:t>
-            </a:r>
-            <a:r>
-              <a:rPr lang="en-US" altLang="ko-KR" sz="1200" kern="1200" dirty="0">
-                <a:solidFill>
-                  <a:schemeClr val="tx1"/>
-                </a:solidFill>
-                <a:effectLst/>
-                <a:latin typeface="+mn-lt"/>
-                <a:ea typeface="+mn-ea"/>
-                <a:cs typeface="+mn-cs"/>
-              </a:rPr>
-              <a:t>.</a:t>
-            </a:r>
-            <a:endParaRPr lang="ko-KR" altLang="en-US" sz="1200" kern="1200" dirty="0">
-              <a:solidFill>
-                <a:schemeClr val="tx1"/>
-              </a:solidFill>
-              <a:effectLst/>
-              <a:latin typeface="+mn-lt"/>
-              <a:ea typeface="+mn-ea"/>
-              <a:cs typeface="+mn-cs"/>
-            </a:endParaRPr>
-          </a:p>
-          <a:p>
-            <a:pPr fontAlgn="base" latinLnBrk="1"/>
-            <a:r>
-              <a:rPr lang="ko-KR" altLang="en-US" sz="1200" kern="1200" dirty="0">
-                <a:solidFill>
-                  <a:schemeClr val="tx1"/>
-                </a:solidFill>
-                <a:effectLst/>
-                <a:latin typeface="+mn-lt"/>
-                <a:ea typeface="+mn-ea"/>
-                <a:cs typeface="+mn-cs"/>
-              </a:rPr>
-              <a:t>∘ </a:t>
-            </a:r>
-            <a:r>
-              <a:rPr lang="en-US" altLang="ko-KR" sz="1200" kern="1200" dirty="0">
-                <a:solidFill>
-                  <a:schemeClr val="tx1"/>
-                </a:solidFill>
-                <a:effectLst/>
-                <a:latin typeface="+mn-lt"/>
-                <a:ea typeface="+mn-ea"/>
-                <a:cs typeface="+mn-cs"/>
-              </a:rPr>
-              <a:t>A </a:t>
-            </a:r>
-            <a:r>
-              <a:rPr lang="ko-KR" altLang="en-US" sz="1200" kern="1200" dirty="0">
-                <a:solidFill>
-                  <a:schemeClr val="tx1"/>
-                </a:solidFill>
-                <a:effectLst/>
-                <a:latin typeface="+mn-lt"/>
-                <a:ea typeface="+mn-ea"/>
-                <a:cs typeface="+mn-cs"/>
-              </a:rPr>
-              <a:t>부대에서 부식으로 제공된 컵라면이 많이 남아 처리할 방법이 곤란했지만</a:t>
-            </a:r>
-            <a:r>
-              <a:rPr lang="en-US" altLang="ko-KR" sz="1200" kern="1200" dirty="0">
-                <a:solidFill>
-                  <a:schemeClr val="tx1"/>
-                </a:solidFill>
-                <a:effectLst/>
-                <a:latin typeface="+mn-lt"/>
-                <a:ea typeface="+mn-ea"/>
-                <a:cs typeface="+mn-cs"/>
-              </a:rPr>
-              <a:t>, </a:t>
-            </a:r>
-            <a:r>
-              <a:rPr lang="en-US" altLang="ko-KR" sz="1200" kern="1200" dirty="0" err="1">
-                <a:solidFill>
-                  <a:schemeClr val="tx1"/>
-                </a:solidFill>
-                <a:effectLst/>
-                <a:latin typeface="+mn-lt"/>
-                <a:ea typeface="+mn-ea"/>
-                <a:cs typeface="+mn-cs"/>
-              </a:rPr>
-              <a:t>ArmyShare</a:t>
-            </a:r>
-            <a:r>
-              <a:rPr lang="en-US" altLang="ko-KR" sz="1200" kern="1200" dirty="0">
-                <a:solidFill>
-                  <a:schemeClr val="tx1"/>
-                </a:solidFill>
-                <a:effectLst/>
-                <a:latin typeface="+mn-lt"/>
-                <a:ea typeface="+mn-ea"/>
-                <a:cs typeface="+mn-cs"/>
-              </a:rPr>
-              <a:t> </a:t>
-            </a:r>
-            <a:r>
-              <a:rPr lang="ko-KR" altLang="en-US" sz="1200" kern="1200" dirty="0">
-                <a:solidFill>
-                  <a:schemeClr val="tx1"/>
-                </a:solidFill>
-                <a:effectLst/>
-                <a:latin typeface="+mn-lt"/>
-                <a:ea typeface="+mn-ea"/>
-                <a:cs typeface="+mn-cs"/>
-              </a:rPr>
-              <a:t>서비스를 이용해 컵라면이 더 필요한 </a:t>
-            </a:r>
-            <a:r>
-              <a:rPr lang="en-US" altLang="ko-KR" sz="1200" kern="1200" dirty="0">
-                <a:solidFill>
-                  <a:schemeClr val="tx1"/>
-                </a:solidFill>
-                <a:effectLst/>
-                <a:latin typeface="+mn-lt"/>
-                <a:ea typeface="+mn-ea"/>
-                <a:cs typeface="+mn-cs"/>
-              </a:rPr>
-              <a:t>B </a:t>
-            </a:r>
-            <a:r>
-              <a:rPr lang="ko-KR" altLang="en-US" sz="1200" kern="1200" dirty="0">
-                <a:solidFill>
-                  <a:schemeClr val="tx1"/>
-                </a:solidFill>
-                <a:effectLst/>
-                <a:latin typeface="+mn-lt"/>
-                <a:ea typeface="+mn-ea"/>
-                <a:cs typeface="+mn-cs"/>
-              </a:rPr>
-              <a:t>부대에 제공하였다</a:t>
-            </a:r>
-            <a:r>
-              <a:rPr lang="en-US" altLang="ko-KR" sz="1200" kern="1200" dirty="0">
-                <a:solidFill>
-                  <a:schemeClr val="tx1"/>
-                </a:solidFill>
-                <a:effectLst/>
-                <a:latin typeface="+mn-lt"/>
-                <a:ea typeface="+mn-ea"/>
-                <a:cs typeface="+mn-cs"/>
-              </a:rPr>
-              <a:t>.</a:t>
-            </a:r>
-            <a:endParaRPr lang="ko-KR" altLang="en-US" sz="1200" kern="1200" dirty="0">
-              <a:solidFill>
-                <a:schemeClr val="tx1"/>
-              </a:solidFill>
-              <a:effectLst/>
-              <a:latin typeface="+mn-lt"/>
-              <a:ea typeface="+mn-ea"/>
-              <a:cs typeface="+mn-cs"/>
-            </a:endParaRPr>
-          </a:p>
-          <a:p>
-            <a:pPr fontAlgn="base" latinLnBrk="1"/>
-            <a:r>
-              <a:rPr lang="ko-KR" altLang="en-US" sz="1200" kern="1200" dirty="0">
-                <a:solidFill>
-                  <a:schemeClr val="tx1"/>
-                </a:solidFill>
-                <a:effectLst/>
-                <a:latin typeface="+mn-lt"/>
-                <a:ea typeface="+mn-ea"/>
-                <a:cs typeface="+mn-cs"/>
-              </a:rPr>
-              <a:t>∘ 자신에게 더 이상 필요하지 않은 손전등과 휴대폰 거치대를 </a:t>
-            </a:r>
-            <a:r>
-              <a:rPr lang="en-US" altLang="ko-KR" sz="1200" kern="1200" dirty="0" err="1">
-                <a:solidFill>
-                  <a:schemeClr val="tx1"/>
-                </a:solidFill>
-                <a:effectLst/>
-                <a:latin typeface="+mn-lt"/>
-                <a:ea typeface="+mn-ea"/>
-                <a:cs typeface="+mn-cs"/>
-              </a:rPr>
-              <a:t>ArmyShare</a:t>
-            </a:r>
-            <a:r>
-              <a:rPr lang="en-US" altLang="ko-KR" sz="1200" kern="1200" dirty="0">
-                <a:solidFill>
-                  <a:schemeClr val="tx1"/>
-                </a:solidFill>
-                <a:effectLst/>
-                <a:latin typeface="+mn-lt"/>
-                <a:ea typeface="+mn-ea"/>
-                <a:cs typeface="+mn-cs"/>
-              </a:rPr>
-              <a:t> </a:t>
-            </a:r>
-            <a:r>
-              <a:rPr lang="ko-KR" altLang="en-US" sz="1200" kern="1200" dirty="0">
-                <a:solidFill>
-                  <a:schemeClr val="tx1"/>
-                </a:solidFill>
-                <a:effectLst/>
-                <a:latin typeface="+mn-lt"/>
-                <a:ea typeface="+mn-ea"/>
-                <a:cs typeface="+mn-cs"/>
-              </a:rPr>
-              <a:t>서비스의 중개 거래 기능을 이용해 제공한 이 상병은</a:t>
-            </a:r>
-            <a:r>
-              <a:rPr lang="en-US" altLang="ko-KR" sz="1200" kern="1200" dirty="0">
-                <a:solidFill>
-                  <a:schemeClr val="tx1"/>
-                </a:solidFill>
-                <a:effectLst/>
-                <a:latin typeface="+mn-lt"/>
-                <a:ea typeface="+mn-ea"/>
-                <a:cs typeface="+mn-cs"/>
-              </a:rPr>
-              <a:t>, </a:t>
-            </a:r>
-            <a:r>
-              <a:rPr lang="ko-KR" altLang="en-US" sz="1200" kern="1200" dirty="0">
-                <a:solidFill>
-                  <a:schemeClr val="tx1"/>
-                </a:solidFill>
-                <a:effectLst/>
-                <a:latin typeface="+mn-lt"/>
-                <a:ea typeface="+mn-ea"/>
-                <a:cs typeface="+mn-cs"/>
-              </a:rPr>
-              <a:t>제공 후 받은 포인트를 이용해 자기에게 필요한 수저 통을 제공받았다</a:t>
-            </a:r>
-            <a:r>
-              <a:rPr lang="en-US" altLang="ko-KR" sz="1200" kern="1200" dirty="0">
-                <a:solidFill>
-                  <a:schemeClr val="tx1"/>
-                </a:solidFill>
-                <a:effectLst/>
-                <a:latin typeface="+mn-lt"/>
-                <a:ea typeface="+mn-ea"/>
-                <a:cs typeface="+mn-cs"/>
-              </a:rPr>
-              <a:t>.</a:t>
-            </a:r>
-            <a:endParaRPr lang="ko-KR" altLang="en-US" sz="1200" kern="1200" dirty="0">
-              <a:solidFill>
-                <a:schemeClr val="tx1"/>
-              </a:solidFill>
-              <a:effectLst/>
-              <a:latin typeface="+mn-lt"/>
-              <a:ea typeface="+mn-ea"/>
-              <a:cs typeface="+mn-cs"/>
-            </a:endParaRPr>
-          </a:p>
-          <a:p>
-            <a:pPr fontAlgn="base" latinLnBrk="1"/>
-            <a:r>
-              <a:rPr lang="en-US" altLang="ko-KR" sz="1200" b="1" kern="1200" dirty="0">
-                <a:solidFill>
-                  <a:schemeClr val="tx1"/>
-                </a:solidFill>
-                <a:effectLst/>
-                <a:latin typeface="+mn-lt"/>
-                <a:ea typeface="+mn-ea"/>
-                <a:cs typeface="+mn-cs"/>
-              </a:rPr>
-              <a:t>- </a:t>
-            </a:r>
-            <a:r>
-              <a:rPr lang="ko-KR" altLang="en-US" sz="1200" b="1" kern="1200" dirty="0">
-                <a:solidFill>
-                  <a:schemeClr val="tx1"/>
-                </a:solidFill>
-                <a:effectLst/>
-                <a:latin typeface="+mn-lt"/>
-                <a:ea typeface="+mn-ea"/>
-                <a:cs typeface="+mn-cs"/>
-              </a:rPr>
-              <a:t>물건 분류</a:t>
-            </a:r>
-            <a:r>
-              <a:rPr lang="en-US" altLang="ko-KR" sz="1200" b="1" kern="1200" dirty="0">
-                <a:solidFill>
-                  <a:schemeClr val="tx1"/>
-                </a:solidFill>
-                <a:effectLst/>
-                <a:latin typeface="+mn-lt"/>
-                <a:ea typeface="+mn-ea"/>
-                <a:cs typeface="+mn-cs"/>
-              </a:rPr>
-              <a:t>-</a:t>
-            </a:r>
-            <a:r>
-              <a:rPr lang="ko-KR" altLang="en-US" sz="1200" b="1" kern="1200" dirty="0">
-                <a:solidFill>
-                  <a:schemeClr val="tx1"/>
-                </a:solidFill>
-                <a:effectLst/>
-                <a:latin typeface="+mn-lt"/>
-                <a:ea typeface="+mn-ea"/>
-                <a:cs typeface="+mn-cs"/>
-              </a:rPr>
-              <a:t>가치 평가 기술</a:t>
-            </a:r>
-            <a:endParaRPr lang="ko-KR" altLang="en-US" sz="1200" kern="1200" dirty="0">
-              <a:solidFill>
-                <a:schemeClr val="tx1"/>
-              </a:solidFill>
-              <a:effectLst/>
-              <a:latin typeface="+mn-lt"/>
-              <a:ea typeface="+mn-ea"/>
-              <a:cs typeface="+mn-cs"/>
-            </a:endParaRPr>
-          </a:p>
-          <a:p>
-            <a:pPr fontAlgn="base" latinLnBrk="1"/>
-            <a:r>
-              <a:rPr lang="ko-KR" altLang="en-US" sz="1200" kern="1200" dirty="0">
-                <a:solidFill>
-                  <a:schemeClr val="tx1"/>
-                </a:solidFill>
-                <a:effectLst/>
-                <a:latin typeface="+mn-lt"/>
-                <a:ea typeface="+mn-ea"/>
-                <a:cs typeface="+mn-cs"/>
-              </a:rPr>
-              <a:t>∘ 이 기술은 여러 가지 물건을 분류</a:t>
-            </a:r>
-            <a:r>
-              <a:rPr lang="en-US" altLang="ko-KR" sz="1200" kern="1200" dirty="0">
-                <a:solidFill>
-                  <a:schemeClr val="tx1"/>
-                </a:solidFill>
-                <a:effectLst/>
-                <a:latin typeface="+mn-lt"/>
-                <a:ea typeface="+mn-ea"/>
-                <a:cs typeface="+mn-cs"/>
-              </a:rPr>
-              <a:t>, </a:t>
-            </a:r>
-            <a:r>
-              <a:rPr lang="ko-KR" altLang="en-US" sz="1200" kern="1200" dirty="0">
-                <a:solidFill>
-                  <a:schemeClr val="tx1"/>
-                </a:solidFill>
-                <a:effectLst/>
-                <a:latin typeface="+mn-lt"/>
-                <a:ea typeface="+mn-ea"/>
-                <a:cs typeface="+mn-cs"/>
-              </a:rPr>
-              <a:t>평가하고 그 데이터를 활용해야 하는 기업에서 활용 될 수 있습니다</a:t>
-            </a:r>
-            <a:r>
-              <a:rPr lang="en-US" altLang="ko-KR" sz="1200" kern="1200" dirty="0">
-                <a:solidFill>
-                  <a:schemeClr val="tx1"/>
-                </a:solidFill>
-                <a:effectLst/>
-                <a:latin typeface="+mn-lt"/>
-                <a:ea typeface="+mn-ea"/>
-                <a:cs typeface="+mn-cs"/>
-              </a:rPr>
-              <a:t>.</a:t>
-            </a:r>
-            <a:endParaRPr lang="ko-KR" altLang="en-US" sz="1200" kern="1200" dirty="0">
-              <a:solidFill>
-                <a:schemeClr val="tx1"/>
-              </a:solidFill>
-              <a:effectLst/>
-              <a:latin typeface="+mn-lt"/>
-              <a:ea typeface="+mn-ea"/>
-              <a:cs typeface="+mn-cs"/>
-            </a:endParaRPr>
-          </a:p>
-          <a:p>
-            <a:endParaRPr lang="ko-KR" altLang="en-US" dirty="0"/>
-          </a:p>
-        </p:txBody>
-      </p:sp>
-      <p:sp>
-        <p:nvSpPr>
-          <p:cNvPr id="4" name="슬라이드 번호 개체 틀 3"/>
-          <p:cNvSpPr>
-            <a:spLocks noGrp="1"/>
-          </p:cNvSpPr>
-          <p:nvPr>
-            <p:ph type="sldNum" sz="quarter" idx="5"/>
-          </p:nvPr>
-        </p:nvSpPr>
-        <p:spPr/>
-        <p:txBody>
-          <a:bodyPr/>
-          <a:lstStyle/>
-          <a:p>
-            <a:fld id="{05829EC2-BF0D-4C7B-B0EE-84E9654A7392}" type="slidenum">
-              <a:rPr lang="ko-KR" altLang="en-US" smtClean="0"/>
-              <a:t>15</a:t>
             </a:fld>
             <a:endParaRPr lang="ko-KR" altLang="en-US"/>
           </a:p>
@@ -10103,7 +9829,7 @@
             <a:fld id="{B61BEF0D-F0BB-DE4B-95CE-6DB70DBA9567}" type="datetimeFigureOut">
               <a:rPr lang="en-US" dirty="0"/>
               <a:pPr/>
-              <a:t>10/22/2020</a:t>
+              <a:t>10/28/2020</a:t>
             </a:fld>
             <a:endParaRPr lang="en-US" dirty="0"/>
           </a:p>
@@ -10351,7 +10077,7 @@
             <a:fld id="{B61BEF0D-F0BB-DE4B-95CE-6DB70DBA9567}" type="datetimeFigureOut">
               <a:rPr lang="en-US" dirty="0"/>
               <a:pPr/>
-              <a:t>10/22/2020</a:t>
+              <a:t>10/28/2020</a:t>
             </a:fld>
             <a:endParaRPr lang="en-US" dirty="0"/>
           </a:p>
@@ -10662,7 +10388,7 @@
             <a:fld id="{B61BEF0D-F0BB-DE4B-95CE-6DB70DBA9567}" type="datetimeFigureOut">
               <a:rPr lang="en-US" dirty="0"/>
               <a:pPr/>
-              <a:t>10/22/2020</a:t>
+              <a:t>10/28/2020</a:t>
             </a:fld>
             <a:endParaRPr lang="en-US" dirty="0"/>
           </a:p>
@@ -10992,7 +10718,7 @@
             <a:fld id="{B61BEF0D-F0BB-DE4B-95CE-6DB70DBA9567}" type="datetimeFigureOut">
               <a:rPr lang="en-US" dirty="0"/>
               <a:pPr/>
-              <a:t>10/22/2020</a:t>
+              <a:t>10/28/2020</a:t>
             </a:fld>
             <a:endParaRPr lang="en-US" dirty="0"/>
           </a:p>
@@ -11303,7 +11029,7 @@
             <a:fld id="{B61BEF0D-F0BB-DE4B-95CE-6DB70DBA9567}" type="datetimeFigureOut">
               <a:rPr lang="en-US" dirty="0"/>
               <a:pPr/>
-              <a:t>10/22/2020</a:t>
+              <a:t>10/28/2020</a:t>
             </a:fld>
             <a:endParaRPr lang="en-US" dirty="0"/>
           </a:p>
@@ -11693,7 +11419,7 @@
             <a:fld id="{B61BEF0D-F0BB-DE4B-95CE-6DB70DBA9567}" type="datetimeFigureOut">
               <a:rPr lang="en-US" dirty="0"/>
               <a:pPr/>
-              <a:t>10/22/2020</a:t>
+              <a:t>10/28/2020</a:t>
             </a:fld>
             <a:endParaRPr lang="en-US" dirty="0"/>
           </a:p>
@@ -11859,7 +11585,7 @@
           <a:p>
             <a:fld id="{55C6B4A9-1611-4792-9094-5F34BCA07E0B}" type="datetimeFigureOut">
               <a:rPr lang="en-US" dirty="0"/>
-              <a:t>10/22/2020</a:t>
+              <a:t>10/28/2020</a:t>
             </a:fld>
             <a:endParaRPr lang="en-US" dirty="0"/>
           </a:p>
@@ -12035,7 +11761,7 @@
             <a:fld id="{B61BEF0D-F0BB-DE4B-95CE-6DB70DBA9567}" type="datetimeFigureOut">
               <a:rPr lang="en-US" dirty="0"/>
               <a:pPr/>
-              <a:t>10/22/2020</a:t>
+              <a:t>10/28/2020</a:t>
             </a:fld>
             <a:endParaRPr lang="en-US" dirty="0"/>
           </a:p>
@@ -12201,7 +11927,7 @@
           <a:p>
             <a:fld id="{42A54C80-263E-416B-A8E0-580EDEADCBDC}" type="datetimeFigureOut">
               <a:rPr lang="en-US" dirty="0"/>
-              <a:t>10/22/2020</a:t>
+              <a:t>10/28/2020</a:t>
             </a:fld>
             <a:endParaRPr lang="en-US" dirty="0"/>
           </a:p>
@@ -12444,7 +12170,7 @@
             <a:fld id="{B61BEF0D-F0BB-DE4B-95CE-6DB70DBA9567}" type="datetimeFigureOut">
               <a:rPr lang="en-US" dirty="0"/>
               <a:pPr/>
-              <a:t>10/22/2020</a:t>
+              <a:t>10/28/2020</a:t>
             </a:fld>
             <a:endParaRPr lang="en-US" dirty="0"/>
           </a:p>
@@ -12672,7 +12398,7 @@
           <a:p>
             <a:fld id="{42A54C80-263E-416B-A8E0-580EDEADCBDC}" type="datetimeFigureOut">
               <a:rPr lang="en-US" dirty="0"/>
-              <a:t>10/22/2020</a:t>
+              <a:t>10/28/2020</a:t>
             </a:fld>
             <a:endParaRPr lang="en-US" dirty="0"/>
           </a:p>
@@ -13042,7 +12768,7 @@
             <a:fld id="{B61BEF0D-F0BB-DE4B-95CE-6DB70DBA9567}" type="datetimeFigureOut">
               <a:rPr lang="en-US" dirty="0"/>
               <a:pPr/>
-              <a:t>10/22/2020</a:t>
+              <a:t>10/28/2020</a:t>
             </a:fld>
             <a:endParaRPr lang="en-US" dirty="0"/>
           </a:p>
@@ -13162,7 +12888,7 @@
             <a:fld id="{B61BEF0D-F0BB-DE4B-95CE-6DB70DBA9567}" type="datetimeFigureOut">
               <a:rPr lang="en-US" dirty="0"/>
               <a:pPr/>
-              <a:t>10/22/2020</a:t>
+              <a:t>10/28/2020</a:t>
             </a:fld>
             <a:endParaRPr lang="en-US" dirty="0"/>
           </a:p>
@@ -13254,7 +12980,7 @@
             <a:fld id="{B61BEF0D-F0BB-DE4B-95CE-6DB70DBA9567}" type="datetimeFigureOut">
               <a:rPr lang="en-US" dirty="0"/>
               <a:pPr/>
-              <a:t>10/22/2020</a:t>
+              <a:t>10/28/2020</a:t>
             </a:fld>
             <a:endParaRPr lang="en-US" dirty="0"/>
           </a:p>
@@ -13505,7 +13231,7 @@
           <a:p>
             <a:fld id="{42A54C80-263E-416B-A8E0-580EDEADCBDC}" type="datetimeFigureOut">
               <a:rPr lang="en-US" dirty="0"/>
-              <a:t>10/22/2020</a:t>
+              <a:t>10/28/2020</a:t>
             </a:fld>
             <a:endParaRPr lang="en-US" dirty="0"/>
           </a:p>
@@ -13807,7 +13533,7 @@
             <a:fld id="{B61BEF0D-F0BB-DE4B-95CE-6DB70DBA9567}" type="datetimeFigureOut">
               <a:rPr lang="en-US" dirty="0"/>
               <a:pPr/>
-              <a:t>10/22/2020</a:t>
+              <a:t>10/28/2020</a:t>
             </a:fld>
             <a:endParaRPr lang="en-US" dirty="0"/>
           </a:p>
@@ -14505,7 +14231,7 @@
             <a:fld id="{B61BEF0D-F0BB-DE4B-95CE-6DB70DBA9567}" type="datetimeFigureOut">
               <a:rPr lang="en-US" dirty="0"/>
               <a:pPr/>
-              <a:t>10/22/2020</a:t>
+              <a:t>10/28/2020</a:t>
             </a:fld>
             <a:endParaRPr lang="en-US" dirty="0"/>
           </a:p>
@@ -15152,6 +14878,14 @@
 <file path=ppt/slides/slide10.xml><?xml version="1.0" encoding="utf-8"?>
 <p:sld xmlns:a="http://schemas.openxmlformats.org/drawingml/2006/main" xmlns:r="http://schemas.openxmlformats.org/officeDocument/2006/relationships" xmlns:p="http://schemas.openxmlformats.org/presentationml/2006/main">
   <p:cSld>
+    <p:bg>
+      <p:bgPr>
+        <a:solidFill>
+          <a:schemeClr val="bg1"/>
+        </a:solidFill>
+        <a:effectLst/>
+      </p:bgPr>
+    </p:bg>
     <p:spTree>
       <p:nvGrpSpPr>
         <p:cNvPr id="1" name=""/>
@@ -15182,9 +14916,16 @@
             <p:ph type="title"/>
           </p:nvPr>
         </p:nvSpPr>
-        <p:spPr/>
+        <p:spPr>
+          <a:xfrm>
+            <a:off x="677334" y="609600"/>
+            <a:ext cx="8596668" cy="1320800"/>
+          </a:xfrm>
+        </p:spPr>
         <p:txBody>
-          <a:bodyPr/>
+          <a:bodyPr anchor="t">
+            <a:normAutofit/>
+          </a:bodyPr>
           <a:lstStyle/>
           <a:p>
             <a:r>
@@ -15196,10 +14937,10 @@
       </p:sp>
       <p:sp>
         <p:nvSpPr>
-          <p:cNvPr id="3" name="내용 개체 틀 2">
+          <p:cNvPr id="9" name="Content Placeholder 8">
             <a:extLst>
               <a:ext uri="{FF2B5EF4-FFF2-40B4-BE49-F238E27FC236}">
-                <a16:creationId xmlns:a16="http://schemas.microsoft.com/office/drawing/2014/main" id="{F92A227C-0EDE-4F2C-96E7-DC4EEBCB892A}"/>
+                <a16:creationId xmlns:a16="http://schemas.microsoft.com/office/drawing/2014/main" id="{AF4C2C76-1005-4036-AB75-A41F9F5D4DEA}"/>
               </a:ext>
             </a:extLst>
           </p:cNvPr>
@@ -15210,17 +14951,101 @@
             <p:ph idx="1"/>
           </p:nvPr>
         </p:nvSpPr>
-        <p:spPr/>
+        <p:spPr>
+          <a:xfrm>
+            <a:off x="677334" y="2160590"/>
+            <a:ext cx="5220430" cy="3701270"/>
+          </a:xfrm>
+        </p:spPr>
         <p:txBody>
           <a:bodyPr>
             <a:normAutofit/>
           </a:bodyPr>
           <a:lstStyle/>
           <a:p>
-            <a:endParaRPr lang="ko-KR" altLang="en-US" dirty="0"/>
+            <a:r>
+              <a:rPr lang="ko-KR" altLang="en-US" dirty="0" err="1"/>
+              <a:t>소울식</a:t>
+            </a:r>
+            <a:endParaRPr lang="en-US" altLang="ko-KR" dirty="0"/>
+          </a:p>
+          <a:p>
+            <a:endParaRPr lang="en-US" dirty="0"/>
+          </a:p>
+          <a:p>
+            <a:r>
+              <a:rPr lang="ko-KR" altLang="en-US" dirty="0"/>
+              <a:t>포인트</a:t>
+            </a:r>
+            <a:r>
+              <a:rPr lang="en-US" altLang="ko-KR" dirty="0"/>
+              <a:t>?</a:t>
+            </a:r>
+          </a:p>
+          <a:p>
+            <a:endParaRPr lang="en-US" dirty="0"/>
+          </a:p>
+          <a:p>
+            <a:r>
+              <a:rPr lang="ko-KR" altLang="en-US" dirty="0"/>
+              <a:t>무분별한 물건 수혜 방지</a:t>
+            </a:r>
+            <a:endParaRPr lang="en-US" altLang="ko-KR" dirty="0"/>
+          </a:p>
+          <a:p>
+            <a:r>
+              <a:rPr lang="ko-KR" altLang="en-US" dirty="0"/>
+              <a:t>커뮤니티 환경 조성</a:t>
+            </a:r>
+            <a:endParaRPr lang="en-US" altLang="ko-KR" dirty="0"/>
+          </a:p>
+          <a:p>
+            <a:r>
+              <a:rPr lang="ko-KR" altLang="en-US" dirty="0"/>
+              <a:t>경제적</a:t>
+            </a:r>
+            <a:r>
+              <a:rPr lang="en-US" altLang="ko-KR" dirty="0"/>
+              <a:t>, </a:t>
+            </a:r>
+            <a:r>
+              <a:rPr lang="ko-KR" altLang="en-US" dirty="0"/>
+              <a:t>환경적 이익</a:t>
+            </a:r>
+            <a:endParaRPr lang="en-US" dirty="0"/>
           </a:p>
         </p:txBody>
       </p:sp>
+      <p:pic>
+        <p:nvPicPr>
+          <p:cNvPr id="5" name="내용 개체 틀 4" descr="화살이(가) 표시된 사진&#10;&#10;자동 생성된 설명">
+            <a:extLst>
+              <a:ext uri="{FF2B5EF4-FFF2-40B4-BE49-F238E27FC236}">
+                <a16:creationId xmlns:a16="http://schemas.microsoft.com/office/drawing/2014/main" id="{428F3616-6D85-4D28-8801-4344D458A6D5}"/>
+              </a:ext>
+            </a:extLst>
+          </p:cNvPr>
+          <p:cNvPicPr>
+            <a:picLocks noChangeAspect="1"/>
+          </p:cNvPicPr>
+          <p:nvPr/>
+        </p:nvPicPr>
+        <p:blipFill>
+          <a:blip r:embed="rId3"/>
+          <a:stretch>
+            <a:fillRect/>
+          </a:stretch>
+        </p:blipFill>
+        <p:spPr>
+          <a:xfrm>
+            <a:off x="6087417" y="2159000"/>
+            <a:ext cx="3145536" cy="3145536"/>
+          </a:xfrm>
+          <a:prstGeom prst="rect">
+            <a:avLst/>
+          </a:prstGeom>
+        </p:spPr>
+      </p:pic>
     </p:spTree>
     <p:extLst>
       <p:ext uri="{BB962C8B-B14F-4D97-AF65-F5344CB8AC3E}">
@@ -15279,31 +15104,6 @@
           </a:p>
         </p:txBody>
       </p:sp>
-      <p:sp>
-        <p:nvSpPr>
-          <p:cNvPr id="3" name="내용 개체 틀 2">
-            <a:extLst>
-              <a:ext uri="{FF2B5EF4-FFF2-40B4-BE49-F238E27FC236}">
-                <a16:creationId xmlns:a16="http://schemas.microsoft.com/office/drawing/2014/main" id="{F92A227C-0EDE-4F2C-96E7-DC4EEBCB892A}"/>
-              </a:ext>
-            </a:extLst>
-          </p:cNvPr>
-          <p:cNvSpPr>
-            <a:spLocks noGrp="1"/>
-          </p:cNvSpPr>
-          <p:nvPr>
-            <p:ph idx="1"/>
-          </p:nvPr>
-        </p:nvSpPr>
-        <p:spPr/>
-        <p:txBody>
-          <a:bodyPr/>
-          <a:lstStyle/>
-          <a:p>
-            <a:endParaRPr lang="ko-KR" altLang="en-US" dirty="0"/>
-          </a:p>
-        </p:txBody>
-      </p:sp>
       <p:pic>
         <p:nvPicPr>
           <p:cNvPr id="2049" name="_x530431440">
@@ -15333,8 +15133,8 @@
         </p:blipFill>
         <p:spPr bwMode="auto">
           <a:xfrm>
-            <a:off x="5354684" y="2499465"/>
-            <a:ext cx="6480175" cy="3644900"/>
+            <a:off x="677334" y="1606550"/>
+            <a:ext cx="8094823" cy="4553090"/>
           </a:xfrm>
           <a:prstGeom prst="rect">
             <a:avLst/>
@@ -15430,7 +15230,67 @@
           <a:bodyPr/>
           <a:lstStyle/>
           <a:p>
-            <a:endParaRPr lang="ko-KR" altLang="en-US"/>
+            <a:r>
+              <a:rPr lang="ko-KR" altLang="en-US" dirty="0"/>
+              <a:t>공유경제</a:t>
+            </a:r>
+            <a:endParaRPr lang="en-US" altLang="ko-KR" dirty="0"/>
+          </a:p>
+          <a:p>
+            <a:r>
+              <a:rPr lang="en-US" altLang="ko-KR" dirty="0"/>
+              <a:t>Google Play Store, iOS App Store</a:t>
+            </a:r>
+          </a:p>
+          <a:p>
+            <a:r>
+              <a:rPr lang="ko-KR" altLang="en-US" dirty="0"/>
+              <a:t>인터넷 커뮤니티</a:t>
+            </a:r>
+            <a:endParaRPr lang="en-US" altLang="ko-KR" dirty="0"/>
+          </a:p>
+          <a:p>
+            <a:endParaRPr lang="en-US" altLang="ko-KR" dirty="0"/>
+          </a:p>
+          <a:p>
+            <a:r>
+              <a:rPr lang="ko-KR" altLang="en-US" dirty="0"/>
+              <a:t>물류 창고에 일정 기간 제공되지 못한 물품은 사업 수단으로  전환</a:t>
+            </a:r>
+            <a:endParaRPr lang="en-US" altLang="ko-KR" dirty="0"/>
+          </a:p>
+          <a:p>
+            <a:r>
+              <a:rPr lang="ko-KR" altLang="en-US" dirty="0"/>
+              <a:t>판매</a:t>
+            </a:r>
+            <a:r>
+              <a:rPr lang="en-US" altLang="ko-KR" dirty="0"/>
+              <a:t>, </a:t>
+            </a:r>
+            <a:r>
+              <a:rPr lang="ko-KR" altLang="en-US" dirty="0"/>
+              <a:t>재활용</a:t>
+            </a:r>
+            <a:endParaRPr lang="en-US" altLang="ko-KR" dirty="0"/>
+          </a:p>
+          <a:p>
+            <a:endParaRPr lang="en-US" altLang="ko-KR" dirty="0"/>
+          </a:p>
+          <a:p>
+            <a:r>
+              <a:rPr lang="ko-KR" altLang="en-US" dirty="0"/>
+              <a:t>물건 분류</a:t>
+            </a:r>
+            <a:r>
+              <a:rPr lang="en-US" altLang="ko-KR" dirty="0"/>
+              <a:t>-</a:t>
+            </a:r>
+            <a:r>
+              <a:rPr lang="ko-KR" altLang="en-US" dirty="0"/>
+              <a:t>가치 평가 기술 판매</a:t>
+            </a:r>
+            <a:endParaRPr lang="en-US" altLang="ko-KR" dirty="0"/>
           </a:p>
         </p:txBody>
       </p:sp>
@@ -15469,7 +15329,7 @@
           <p:cNvPr id="2" name="제목 1">
             <a:extLst>
               <a:ext uri="{FF2B5EF4-FFF2-40B4-BE49-F238E27FC236}">
-                <a16:creationId xmlns:a16="http://schemas.microsoft.com/office/drawing/2014/main" id="{C5B3822B-FCDD-4368-92C0-36F2D4CF8255}"/>
+                <a16:creationId xmlns:a16="http://schemas.microsoft.com/office/drawing/2014/main" id="{660C77BA-29A0-45D6-B208-0F0DCA494D5E}"/>
               </a:ext>
             </a:extLst>
           </p:cNvPr>
@@ -15487,7 +15347,7 @@
           <a:p>
             <a:r>
               <a:rPr lang="ko-KR" altLang="en-US" dirty="0"/>
-              <a:t>문제점과 해결 방안</a:t>
+              <a:t>기대 효과</a:t>
             </a:r>
           </a:p>
         </p:txBody>
@@ -15497,7 +15357,7 @@
           <p:cNvPr id="3" name="내용 개체 틀 2">
             <a:extLst>
               <a:ext uri="{FF2B5EF4-FFF2-40B4-BE49-F238E27FC236}">
-                <a16:creationId xmlns:a16="http://schemas.microsoft.com/office/drawing/2014/main" id="{37AE1A0B-38FC-427E-AA5A-B9780F979AC7}"/>
+                <a16:creationId xmlns:a16="http://schemas.microsoft.com/office/drawing/2014/main" id="{F92A227C-0EDE-4F2C-96E7-DC4EEBCB892A}"/>
               </a:ext>
             </a:extLst>
           </p:cNvPr>
@@ -15513,14 +15373,175 @@
           <a:bodyPr/>
           <a:lstStyle/>
           <a:p>
-            <a:endParaRPr lang="ko-KR" altLang="en-US"/>
+            <a:pPr fontAlgn="base" latinLnBrk="1"/>
+            <a:r>
+              <a:rPr lang="ko-KR" altLang="en-US" dirty="0">
+                <a:solidFill>
+                  <a:schemeClr val="tx1"/>
+                </a:solidFill>
+              </a:rPr>
+              <a:t>군 생활을 하며 필요한 </a:t>
+            </a:r>
+            <a:r>
+              <a:rPr lang="en-US" altLang="ko-KR" dirty="0">
+                <a:solidFill>
+                  <a:schemeClr val="tx1"/>
+                </a:solidFill>
+              </a:rPr>
+              <a:t>/ </a:t>
+            </a:r>
+            <a:r>
+              <a:rPr lang="ko-KR" altLang="en-US" dirty="0">
+                <a:solidFill>
+                  <a:schemeClr val="tx1"/>
+                </a:solidFill>
+              </a:rPr>
+              <a:t>필요 없는 물건 공유</a:t>
+            </a:r>
+            <a:endParaRPr lang="en-US" altLang="ko-KR" dirty="0">
+              <a:solidFill>
+                <a:schemeClr val="tx1"/>
+              </a:solidFill>
+            </a:endParaRPr>
+          </a:p>
+          <a:p>
+            <a:pPr fontAlgn="base" latinLnBrk="1"/>
+            <a:r>
+              <a:rPr lang="ko-KR" altLang="en-US" sz="1800" kern="1200" dirty="0">
+                <a:solidFill>
+                  <a:schemeClr val="tx1"/>
+                </a:solidFill>
+                <a:effectLst/>
+                <a:latin typeface="+mn-lt"/>
+                <a:ea typeface="+mn-ea"/>
+                <a:cs typeface="+mn-cs"/>
+              </a:rPr>
+              <a:t>물건 기부자에게 성취감 부여</a:t>
+            </a:r>
+            <a:r>
+              <a:rPr lang="en-US" altLang="ko-KR" sz="1800" kern="1200" dirty="0">
+                <a:solidFill>
+                  <a:schemeClr val="tx1"/>
+                </a:solidFill>
+                <a:effectLst/>
+                <a:latin typeface="+mn-lt"/>
+                <a:ea typeface="+mn-ea"/>
+                <a:cs typeface="+mn-cs"/>
+              </a:rPr>
+              <a:t>/ </a:t>
+            </a:r>
+            <a:r>
+              <a:rPr lang="ko-KR" altLang="en-US" sz="1800" kern="1200" dirty="0">
+                <a:solidFill>
+                  <a:schemeClr val="tx1"/>
+                </a:solidFill>
+                <a:effectLst/>
+                <a:latin typeface="+mn-lt"/>
+                <a:ea typeface="+mn-ea"/>
+                <a:cs typeface="+mn-cs"/>
+              </a:rPr>
+              <a:t>부대와 연계하여 상점</a:t>
+            </a:r>
+            <a:r>
+              <a:rPr lang="en-US" altLang="ko-KR" sz="1800" kern="1200" dirty="0">
+                <a:solidFill>
+                  <a:schemeClr val="tx1"/>
+                </a:solidFill>
+                <a:effectLst/>
+                <a:latin typeface="+mn-lt"/>
+                <a:ea typeface="+mn-ea"/>
+                <a:cs typeface="+mn-cs"/>
+              </a:rPr>
+              <a:t>, </a:t>
+            </a:r>
+            <a:r>
+              <a:rPr lang="ko-KR" altLang="en-US" dirty="0" err="1">
+                <a:solidFill>
+                  <a:schemeClr val="tx1"/>
+                </a:solidFill>
+              </a:rPr>
+              <a:t>휴가등</a:t>
+            </a:r>
+            <a:r>
+              <a:rPr lang="ko-KR" altLang="en-US" dirty="0">
+                <a:solidFill>
+                  <a:schemeClr val="tx1"/>
+                </a:solidFill>
+              </a:rPr>
+              <a:t> 포상 부여</a:t>
+            </a:r>
+            <a:endParaRPr lang="en-US" altLang="ko-KR" dirty="0">
+              <a:solidFill>
+                <a:schemeClr val="tx1"/>
+              </a:solidFill>
+            </a:endParaRPr>
+          </a:p>
+          <a:p>
+            <a:pPr fontAlgn="base" latinLnBrk="1"/>
+            <a:endParaRPr lang="ko-KR" altLang="en-US" sz="1800" kern="1200" dirty="0">
+              <a:solidFill>
+                <a:schemeClr val="tx1"/>
+              </a:solidFill>
+              <a:effectLst/>
+              <a:latin typeface="+mn-lt"/>
+              <a:ea typeface="+mn-ea"/>
+              <a:cs typeface="+mn-cs"/>
+            </a:endParaRPr>
+          </a:p>
+          <a:p>
+            <a:pPr fontAlgn="base" latinLnBrk="1"/>
+            <a:r>
+              <a:rPr lang="ko-KR" altLang="en-US" sz="1800" kern="1200" dirty="0">
+                <a:solidFill>
+                  <a:schemeClr val="tx1"/>
+                </a:solidFill>
+                <a:effectLst/>
+                <a:latin typeface="+mn-lt"/>
+                <a:ea typeface="+mn-ea"/>
+                <a:cs typeface="+mn-cs"/>
+              </a:rPr>
+              <a:t>폐기 </a:t>
+            </a:r>
+            <a:r>
+              <a:rPr lang="ko-KR" altLang="en-US" sz="1800" kern="1200" dirty="0" err="1">
+                <a:solidFill>
+                  <a:schemeClr val="tx1"/>
+                </a:solidFill>
+                <a:effectLst/>
+                <a:latin typeface="+mn-lt"/>
+                <a:ea typeface="+mn-ea"/>
+                <a:cs typeface="+mn-cs"/>
+              </a:rPr>
+              <a:t>해야하는</a:t>
+            </a:r>
+            <a:r>
+              <a:rPr lang="ko-KR" altLang="en-US" sz="1800" kern="1200" dirty="0">
+                <a:solidFill>
+                  <a:schemeClr val="tx1"/>
+                </a:solidFill>
+                <a:effectLst/>
+                <a:latin typeface="+mn-lt"/>
+                <a:ea typeface="+mn-ea"/>
+                <a:cs typeface="+mn-cs"/>
+              </a:rPr>
+              <a:t> 물건 공유로 자원 낭비 방지</a:t>
+            </a:r>
+            <a:endParaRPr lang="en-US" altLang="ko-KR" sz="1800" kern="1200" dirty="0">
+              <a:solidFill>
+                <a:schemeClr val="tx1"/>
+              </a:solidFill>
+              <a:effectLst/>
+              <a:latin typeface="+mn-lt"/>
+              <a:ea typeface="+mn-ea"/>
+              <a:cs typeface="+mn-cs"/>
+            </a:endParaRPr>
           </a:p>
         </p:txBody>
       </p:sp>
     </p:spTree>
     <p:extLst>
       <p:ext uri="{BB962C8B-B14F-4D97-AF65-F5344CB8AC3E}">
-        <p14:creationId xmlns:p14="http://schemas.microsoft.com/office/powerpoint/2010/main" val="2373883877"/>
+        <p14:creationId xmlns:p14="http://schemas.microsoft.com/office/powerpoint/2010/main" val="4247823314"/>
       </p:ext>
     </p:extLst>
   </p:cSld>
@@ -15570,7 +15591,7 @@
           <a:p>
             <a:r>
               <a:rPr lang="ko-KR" altLang="en-US" dirty="0"/>
-              <a:t>기대 효과</a:t>
+              <a:t>활용 분야</a:t>
             </a:r>
           </a:p>
         </p:txBody>
@@ -15596,90 +15617,490 @@
           <a:bodyPr/>
           <a:lstStyle/>
           <a:p>
-            <a:endParaRPr lang="ko-KR" altLang="en-US"/>
-          </a:p>
-        </p:txBody>
-      </p:sp>
-    </p:spTree>
-    <p:extLst>
-      <p:ext uri="{BB962C8B-B14F-4D97-AF65-F5344CB8AC3E}">
-        <p14:creationId xmlns:p14="http://schemas.microsoft.com/office/powerpoint/2010/main" val="4247823314"/>
-      </p:ext>
-    </p:extLst>
-  </p:cSld>
-  <p:clrMapOvr>
-    <a:masterClrMapping/>
-  </p:clrMapOvr>
-</p:sld>
-</file>
-
-<file path=ppt/slides/slide15.xml><?xml version="1.0" encoding="utf-8"?>
-<p:sld xmlns:a="http://schemas.openxmlformats.org/drawingml/2006/main" xmlns:r="http://schemas.openxmlformats.org/officeDocument/2006/relationships" xmlns:p="http://schemas.openxmlformats.org/presentationml/2006/main">
-  <p:cSld>
-    <p:spTree>
-      <p:nvGrpSpPr>
-        <p:cNvPr id="1" name=""/>
-        <p:cNvGrpSpPr/>
-        <p:nvPr/>
-      </p:nvGrpSpPr>
-      <p:grpSpPr>
-        <a:xfrm>
-          <a:off x="0" y="0"/>
-          <a:ext cx="0" cy="0"/>
-          <a:chOff x="0" y="0"/>
-          <a:chExt cx="0" cy="0"/>
-        </a:xfrm>
-      </p:grpSpPr>
-      <p:sp>
-        <p:nvSpPr>
-          <p:cNvPr id="2" name="제목 1">
-            <a:extLst>
-              <a:ext uri="{FF2B5EF4-FFF2-40B4-BE49-F238E27FC236}">
-                <a16:creationId xmlns:a16="http://schemas.microsoft.com/office/drawing/2014/main" id="{660C77BA-29A0-45D6-B208-0F0DCA494D5E}"/>
-              </a:ext>
-            </a:extLst>
-          </p:cNvPr>
-          <p:cNvSpPr>
-            <a:spLocks noGrp="1"/>
-          </p:cNvSpPr>
-          <p:nvPr>
-            <p:ph type="title"/>
-          </p:nvPr>
-        </p:nvSpPr>
-        <p:spPr/>
-        <p:txBody>
-          <a:bodyPr/>
-          <a:lstStyle/>
-          <a:p>
-            <a:r>
-              <a:rPr lang="ko-KR" altLang="en-US" dirty="0"/>
-              <a:t>활용 분야</a:t>
-            </a:r>
-          </a:p>
-        </p:txBody>
-      </p:sp>
-      <p:sp>
-        <p:nvSpPr>
-          <p:cNvPr id="3" name="내용 개체 틀 2">
-            <a:extLst>
-              <a:ext uri="{FF2B5EF4-FFF2-40B4-BE49-F238E27FC236}">
-                <a16:creationId xmlns:a16="http://schemas.microsoft.com/office/drawing/2014/main" id="{F92A227C-0EDE-4F2C-96E7-DC4EEBCB892A}"/>
-              </a:ext>
-            </a:extLst>
-          </p:cNvPr>
-          <p:cNvSpPr>
-            <a:spLocks noGrp="1"/>
-          </p:cNvSpPr>
-          <p:nvPr>
-            <p:ph idx="1"/>
-          </p:nvPr>
-        </p:nvSpPr>
-        <p:spPr/>
-        <p:txBody>
-          <a:bodyPr/>
-          <a:lstStyle/>
-          <a:p>
-            <a:endParaRPr lang="ko-KR" altLang="en-US"/>
+            <a:pPr fontAlgn="base" latinLnBrk="1"/>
+            <a:r>
+              <a:rPr lang="en-US" altLang="ko-KR" sz="1800" b="1" kern="1200" dirty="0">
+                <a:solidFill>
+                  <a:schemeClr val="tx1"/>
+                </a:solidFill>
+                <a:effectLst/>
+                <a:latin typeface="+mn-lt"/>
+                <a:ea typeface="+mn-ea"/>
+                <a:cs typeface="+mn-cs"/>
+              </a:rPr>
+              <a:t>- </a:t>
+            </a:r>
+            <a:r>
+              <a:rPr lang="ko-KR" altLang="en-US" sz="1800" b="1" kern="1200" dirty="0">
+                <a:solidFill>
+                  <a:schemeClr val="tx1"/>
+                </a:solidFill>
+                <a:effectLst/>
+                <a:latin typeface="+mn-lt"/>
+                <a:ea typeface="+mn-ea"/>
+                <a:cs typeface="+mn-cs"/>
+              </a:rPr>
+              <a:t>서비스 </a:t>
+            </a:r>
+            <a:r>
+              <a:rPr lang="en-US" altLang="ko-KR" sz="1800" b="1" kern="1200" dirty="0">
+                <a:solidFill>
+                  <a:schemeClr val="tx1"/>
+                </a:solidFill>
+                <a:effectLst/>
+                <a:latin typeface="+mn-lt"/>
+                <a:ea typeface="+mn-ea"/>
+                <a:cs typeface="+mn-cs"/>
+              </a:rPr>
+              <a:t>use-case</a:t>
+            </a:r>
+            <a:endParaRPr lang="ko-KR" altLang="en-US" sz="1800" kern="1200" dirty="0">
+              <a:solidFill>
+                <a:schemeClr val="tx1"/>
+              </a:solidFill>
+              <a:effectLst/>
+              <a:latin typeface="+mn-lt"/>
+              <a:ea typeface="+mn-ea"/>
+              <a:cs typeface="+mn-cs"/>
+            </a:endParaRPr>
+          </a:p>
+          <a:p>
+            <a:pPr fontAlgn="base" latinLnBrk="1"/>
+            <a:r>
+              <a:rPr lang="ko-KR" altLang="en-US" sz="1800" kern="1200" dirty="0">
+                <a:solidFill>
+                  <a:schemeClr val="tx1"/>
+                </a:solidFill>
+                <a:effectLst/>
+                <a:latin typeface="+mn-lt"/>
+                <a:ea typeface="+mn-ea"/>
+                <a:cs typeface="+mn-cs"/>
+              </a:rPr>
+              <a:t>∘ 곧 전역을 맞아 양말과 수건을 버리려고 한 김 병장은 </a:t>
+            </a:r>
+            <a:r>
+              <a:rPr lang="en-US" altLang="ko-KR" sz="1800" kern="1200" dirty="0" err="1">
+                <a:solidFill>
+                  <a:schemeClr val="tx1"/>
+                </a:solidFill>
+                <a:effectLst/>
+                <a:latin typeface="+mn-lt"/>
+                <a:ea typeface="+mn-ea"/>
+                <a:cs typeface="+mn-cs"/>
+              </a:rPr>
+              <a:t>ArmyShare</a:t>
+            </a:r>
+            <a:r>
+              <a:rPr lang="en-US" altLang="ko-KR" sz="1800" kern="1200" dirty="0">
+                <a:solidFill>
+                  <a:schemeClr val="tx1"/>
+                </a:solidFill>
+                <a:effectLst/>
+                <a:latin typeface="+mn-lt"/>
+                <a:ea typeface="+mn-ea"/>
+                <a:cs typeface="+mn-cs"/>
+              </a:rPr>
+              <a:t> </a:t>
+            </a:r>
+            <a:r>
+              <a:rPr lang="ko-KR" altLang="en-US" sz="1800" kern="1200" dirty="0">
+                <a:solidFill>
+                  <a:schemeClr val="tx1"/>
+                </a:solidFill>
+                <a:effectLst/>
+                <a:latin typeface="+mn-lt"/>
+                <a:ea typeface="+mn-ea"/>
+                <a:cs typeface="+mn-cs"/>
+              </a:rPr>
+              <a:t>서비스를 이용해 보급품이 더 필요한 타 부대의 최 일병에게 제공하였다</a:t>
+            </a:r>
+            <a:r>
+              <a:rPr lang="en-US" altLang="ko-KR" sz="1800" kern="1200" dirty="0">
+                <a:solidFill>
+                  <a:schemeClr val="tx1"/>
+                </a:solidFill>
+                <a:effectLst/>
+                <a:latin typeface="+mn-lt"/>
+                <a:ea typeface="+mn-ea"/>
+                <a:cs typeface="+mn-cs"/>
+              </a:rPr>
+              <a:t>.</a:t>
+            </a:r>
+            <a:endParaRPr lang="ko-KR" altLang="en-US" sz="1800" kern="1200" dirty="0">
+              <a:solidFill>
+                <a:schemeClr val="tx1"/>
+              </a:solidFill>
+              <a:effectLst/>
+              <a:latin typeface="+mn-lt"/>
+              <a:ea typeface="+mn-ea"/>
+              <a:cs typeface="+mn-cs"/>
+            </a:endParaRPr>
+          </a:p>
+          <a:p>
+            <a:pPr fontAlgn="base" latinLnBrk="1"/>
+            <a:r>
+              <a:rPr lang="ko-KR" altLang="en-US" sz="1800" kern="1200" dirty="0">
+                <a:solidFill>
+                  <a:schemeClr val="tx1"/>
+                </a:solidFill>
+                <a:effectLst/>
+                <a:latin typeface="+mn-lt"/>
+                <a:ea typeface="+mn-ea"/>
+                <a:cs typeface="+mn-cs"/>
+              </a:rPr>
+              <a:t>∘ </a:t>
+            </a:r>
+            <a:r>
+              <a:rPr lang="en-US" altLang="ko-KR" sz="1800" kern="1200" dirty="0">
+                <a:solidFill>
+                  <a:schemeClr val="tx1"/>
+                </a:solidFill>
+                <a:effectLst/>
+                <a:latin typeface="+mn-lt"/>
+                <a:ea typeface="+mn-ea"/>
+                <a:cs typeface="+mn-cs"/>
+              </a:rPr>
+              <a:t>A </a:t>
+            </a:r>
+            <a:r>
+              <a:rPr lang="ko-KR" altLang="en-US" sz="1800" kern="1200" dirty="0">
+                <a:solidFill>
+                  <a:schemeClr val="tx1"/>
+                </a:solidFill>
+                <a:effectLst/>
+                <a:latin typeface="+mn-lt"/>
+                <a:ea typeface="+mn-ea"/>
+                <a:cs typeface="+mn-cs"/>
+              </a:rPr>
+              <a:t>부대에서 부식으로 제공된 컵라면이 많이 남아 처리할 방법이 곤란했지만</a:t>
+            </a:r>
+            <a:r>
+              <a:rPr lang="en-US" altLang="ko-KR" sz="1800" kern="1200" dirty="0">
+                <a:solidFill>
+                  <a:schemeClr val="tx1"/>
+                </a:solidFill>
+                <a:effectLst/>
+                <a:latin typeface="+mn-lt"/>
+                <a:ea typeface="+mn-ea"/>
+                <a:cs typeface="+mn-cs"/>
+              </a:rPr>
+              <a:t>, </a:t>
+            </a:r>
+            <a:r>
+              <a:rPr lang="en-US" altLang="ko-KR" sz="1800" kern="1200" dirty="0" err="1">
+                <a:solidFill>
+                  <a:schemeClr val="tx1"/>
+                </a:solidFill>
+                <a:effectLst/>
+                <a:latin typeface="+mn-lt"/>
+                <a:ea typeface="+mn-ea"/>
+                <a:cs typeface="+mn-cs"/>
+              </a:rPr>
+              <a:t>ArmyShare</a:t>
+            </a:r>
+            <a:r>
+              <a:rPr lang="en-US" altLang="ko-KR" sz="1800" kern="1200" dirty="0">
+                <a:solidFill>
+                  <a:schemeClr val="tx1"/>
+                </a:solidFill>
+                <a:effectLst/>
+                <a:latin typeface="+mn-lt"/>
+                <a:ea typeface="+mn-ea"/>
+                <a:cs typeface="+mn-cs"/>
+              </a:rPr>
+              <a:t> </a:t>
+            </a:r>
+            <a:r>
+              <a:rPr lang="ko-KR" altLang="en-US" sz="1800" kern="1200" dirty="0">
+                <a:solidFill>
+                  <a:schemeClr val="tx1"/>
+                </a:solidFill>
+                <a:effectLst/>
+                <a:latin typeface="+mn-lt"/>
+                <a:ea typeface="+mn-ea"/>
+                <a:cs typeface="+mn-cs"/>
+              </a:rPr>
+              <a:t>서비스를 이용해 컵라면이 더 필요한 </a:t>
+            </a:r>
+            <a:r>
+              <a:rPr lang="en-US" altLang="ko-KR" sz="1800" kern="1200" dirty="0">
+                <a:solidFill>
+                  <a:schemeClr val="tx1"/>
+                </a:solidFill>
+                <a:effectLst/>
+                <a:latin typeface="+mn-lt"/>
+                <a:ea typeface="+mn-ea"/>
+                <a:cs typeface="+mn-cs"/>
+              </a:rPr>
+              <a:t>B </a:t>
+            </a:r>
+            <a:r>
+              <a:rPr lang="ko-KR" altLang="en-US" sz="1800" kern="1200" dirty="0">
+                <a:solidFill>
+                  <a:schemeClr val="tx1"/>
+                </a:solidFill>
+                <a:effectLst/>
+                <a:latin typeface="+mn-lt"/>
+                <a:ea typeface="+mn-ea"/>
+                <a:cs typeface="+mn-cs"/>
+              </a:rPr>
+              <a:t>부대에 제공하였다</a:t>
+            </a:r>
+            <a:r>
+              <a:rPr lang="en-US" altLang="ko-KR" sz="1800" kern="1200" dirty="0">
+                <a:solidFill>
+                  <a:schemeClr val="tx1"/>
+                </a:solidFill>
+                <a:effectLst/>
+                <a:latin typeface="+mn-lt"/>
+                <a:ea typeface="+mn-ea"/>
+                <a:cs typeface="+mn-cs"/>
+              </a:rPr>
+              <a:t>.</a:t>
+            </a:r>
+            <a:endParaRPr lang="ko-KR" altLang="en-US" sz="1800" kern="1200" dirty="0">
+              <a:solidFill>
+                <a:schemeClr val="tx1"/>
+              </a:solidFill>
+              <a:effectLst/>
+              <a:latin typeface="+mn-lt"/>
+              <a:ea typeface="+mn-ea"/>
+              <a:cs typeface="+mn-cs"/>
+            </a:endParaRPr>
+          </a:p>
+          <a:p>
+            <a:pPr fontAlgn="base" latinLnBrk="1"/>
+            <a:r>
+              <a:rPr lang="ko-KR" altLang="en-US" sz="1800" kern="1200" dirty="0">
+                <a:solidFill>
+                  <a:schemeClr val="tx1"/>
+                </a:solidFill>
+                <a:effectLst/>
+                <a:latin typeface="+mn-lt"/>
+                <a:ea typeface="+mn-ea"/>
+                <a:cs typeface="+mn-cs"/>
+              </a:rPr>
+              <a:t>∘ 자신에게 더 이상 필요하지 않은 손전등과 휴대폰 거치대를 </a:t>
+            </a:r>
+            <a:r>
+              <a:rPr lang="en-US" altLang="ko-KR" sz="1800" kern="1200" dirty="0" err="1">
+                <a:solidFill>
+                  <a:schemeClr val="tx1"/>
+                </a:solidFill>
+                <a:effectLst/>
+                <a:latin typeface="+mn-lt"/>
+                <a:ea typeface="+mn-ea"/>
+                <a:cs typeface="+mn-cs"/>
+              </a:rPr>
+              <a:t>ArmyShare</a:t>
+            </a:r>
+            <a:r>
+              <a:rPr lang="en-US" altLang="ko-KR" sz="1800" kern="1200" dirty="0">
+                <a:solidFill>
+                  <a:schemeClr val="tx1"/>
+                </a:solidFill>
+                <a:effectLst/>
+                <a:latin typeface="+mn-lt"/>
+                <a:ea typeface="+mn-ea"/>
+                <a:cs typeface="+mn-cs"/>
+              </a:rPr>
+              <a:t> </a:t>
+            </a:r>
+            <a:r>
+              <a:rPr lang="ko-KR" altLang="en-US" sz="1800" kern="1200" dirty="0">
+                <a:solidFill>
+                  <a:schemeClr val="tx1"/>
+                </a:solidFill>
+                <a:effectLst/>
+                <a:latin typeface="+mn-lt"/>
+                <a:ea typeface="+mn-ea"/>
+                <a:cs typeface="+mn-cs"/>
+              </a:rPr>
+              <a:t>서비스의 중개 거래 기능을 이용해 제공한 이 상병은</a:t>
+            </a:r>
+            <a:r>
+              <a:rPr lang="en-US" altLang="ko-KR" sz="1800" kern="1200" dirty="0">
+                <a:solidFill>
+                  <a:schemeClr val="tx1"/>
+                </a:solidFill>
+                <a:effectLst/>
+                <a:latin typeface="+mn-lt"/>
+                <a:ea typeface="+mn-ea"/>
+                <a:cs typeface="+mn-cs"/>
+              </a:rPr>
+              <a:t>, </a:t>
+            </a:r>
+            <a:r>
+              <a:rPr lang="ko-KR" altLang="en-US" sz="1800" kern="1200" dirty="0">
+                <a:solidFill>
+                  <a:schemeClr val="tx1"/>
+                </a:solidFill>
+                <a:effectLst/>
+                <a:latin typeface="+mn-lt"/>
+                <a:ea typeface="+mn-ea"/>
+                <a:cs typeface="+mn-cs"/>
+              </a:rPr>
+              <a:t>제공 후 받은 포인트를 이용해 자기에게 필요한 수저 통을 제공받았다</a:t>
+            </a:r>
+            <a:r>
+              <a:rPr lang="en-US" altLang="ko-KR" sz="1800" kern="1200" dirty="0">
+                <a:solidFill>
+                  <a:schemeClr val="tx1"/>
+                </a:solidFill>
+                <a:effectLst/>
+                <a:latin typeface="+mn-lt"/>
+                <a:ea typeface="+mn-ea"/>
+                <a:cs typeface="+mn-cs"/>
+              </a:rPr>
+              <a:t>.</a:t>
+            </a:r>
+            <a:endParaRPr lang="ko-KR" altLang="en-US" sz="1800" kern="1200" dirty="0">
+              <a:solidFill>
+                <a:schemeClr val="tx1"/>
+              </a:solidFill>
+              <a:effectLst/>
+              <a:latin typeface="+mn-lt"/>
+              <a:ea typeface="+mn-ea"/>
+              <a:cs typeface="+mn-cs"/>
+            </a:endParaRPr>
+          </a:p>
+          <a:p>
+            <a:pPr fontAlgn="base" latinLnBrk="1"/>
+            <a:r>
+              <a:rPr lang="en-US" altLang="ko-KR" sz="1800" b="1" kern="1200" dirty="0">
+                <a:solidFill>
+                  <a:schemeClr val="tx1"/>
+                </a:solidFill>
+                <a:effectLst/>
+                <a:latin typeface="+mn-lt"/>
+                <a:ea typeface="+mn-ea"/>
+                <a:cs typeface="+mn-cs"/>
+              </a:rPr>
+              <a:t>- </a:t>
+            </a:r>
+            <a:r>
+              <a:rPr lang="ko-KR" altLang="en-US" sz="1800" b="1" kern="1200" dirty="0">
+                <a:solidFill>
+                  <a:schemeClr val="tx1"/>
+                </a:solidFill>
+                <a:effectLst/>
+                <a:latin typeface="+mn-lt"/>
+                <a:ea typeface="+mn-ea"/>
+                <a:cs typeface="+mn-cs"/>
+              </a:rPr>
+              <a:t>물건 분류</a:t>
+            </a:r>
+            <a:r>
+              <a:rPr lang="en-US" altLang="ko-KR" sz="1800" b="1" kern="1200" dirty="0">
+                <a:solidFill>
+                  <a:schemeClr val="tx1"/>
+                </a:solidFill>
+                <a:effectLst/>
+                <a:latin typeface="+mn-lt"/>
+                <a:ea typeface="+mn-ea"/>
+                <a:cs typeface="+mn-cs"/>
+              </a:rPr>
+              <a:t>-</a:t>
+            </a:r>
+            <a:r>
+              <a:rPr lang="ko-KR" altLang="en-US" sz="1800" b="1" kern="1200" dirty="0">
+                <a:solidFill>
+                  <a:schemeClr val="tx1"/>
+                </a:solidFill>
+                <a:effectLst/>
+                <a:latin typeface="+mn-lt"/>
+                <a:ea typeface="+mn-ea"/>
+                <a:cs typeface="+mn-cs"/>
+              </a:rPr>
+              <a:t>가치 평가 기술</a:t>
+            </a:r>
+            <a:endParaRPr lang="ko-KR" altLang="en-US" sz="1800" kern="1200" dirty="0">
+              <a:solidFill>
+                <a:schemeClr val="tx1"/>
+              </a:solidFill>
+              <a:effectLst/>
+              <a:latin typeface="+mn-lt"/>
+              <a:ea typeface="+mn-ea"/>
+              <a:cs typeface="+mn-cs"/>
+            </a:endParaRPr>
+          </a:p>
+          <a:p>
+            <a:pPr fontAlgn="base" latinLnBrk="1"/>
+            <a:r>
+              <a:rPr lang="ko-KR" altLang="en-US" sz="1800" kern="1200">
+                <a:solidFill>
+                  <a:schemeClr val="tx1"/>
+                </a:solidFill>
+                <a:effectLst/>
+                <a:latin typeface="+mn-lt"/>
+                <a:ea typeface="+mn-ea"/>
+                <a:cs typeface="+mn-cs"/>
+              </a:rPr>
+              <a:t>∘ 여러 </a:t>
+            </a:r>
+            <a:r>
+              <a:rPr lang="ko-KR" altLang="en-US" sz="1800" kern="1200" dirty="0">
+                <a:solidFill>
+                  <a:schemeClr val="tx1"/>
+                </a:solidFill>
+                <a:effectLst/>
+                <a:latin typeface="+mn-lt"/>
+                <a:ea typeface="+mn-ea"/>
+                <a:cs typeface="+mn-cs"/>
+              </a:rPr>
+              <a:t>가지 물건을 분류</a:t>
+            </a:r>
+            <a:r>
+              <a:rPr lang="en-US" altLang="ko-KR" sz="1800" kern="1200" dirty="0">
+                <a:solidFill>
+                  <a:schemeClr val="tx1"/>
+                </a:solidFill>
+                <a:effectLst/>
+                <a:latin typeface="+mn-lt"/>
+                <a:ea typeface="+mn-ea"/>
+                <a:cs typeface="+mn-cs"/>
+              </a:rPr>
+              <a:t>, </a:t>
+            </a:r>
+            <a:r>
+              <a:rPr lang="ko-KR" altLang="en-US" sz="1800" kern="1200" dirty="0">
+                <a:solidFill>
+                  <a:schemeClr val="tx1"/>
+                </a:solidFill>
+                <a:effectLst/>
+                <a:latin typeface="+mn-lt"/>
+                <a:ea typeface="+mn-ea"/>
+                <a:cs typeface="+mn-cs"/>
+              </a:rPr>
+              <a:t>평가하고 그 데이터를 활용해야 하는 기업에서 활용 될 수 있습니다</a:t>
+            </a:r>
+            <a:r>
+              <a:rPr lang="en-US" altLang="ko-KR" sz="1800" kern="1200" dirty="0">
+                <a:solidFill>
+                  <a:schemeClr val="tx1"/>
+                </a:solidFill>
+                <a:effectLst/>
+                <a:latin typeface="+mn-lt"/>
+                <a:ea typeface="+mn-ea"/>
+                <a:cs typeface="+mn-cs"/>
+              </a:rPr>
+              <a:t>.</a:t>
+            </a:r>
+            <a:endParaRPr lang="ko-KR" altLang="en-US" sz="1800" kern="1200" dirty="0">
+              <a:solidFill>
+                <a:schemeClr val="tx1"/>
+              </a:solidFill>
+              <a:effectLst/>
+              <a:latin typeface="+mn-lt"/>
+              <a:ea typeface="+mn-ea"/>
+              <a:cs typeface="+mn-cs"/>
+            </a:endParaRPr>
+          </a:p>
+          <a:p>
+            <a:endParaRPr lang="ko-KR" altLang="en-US" dirty="0"/>
+          </a:p>
+          <a:p>
+            <a:endParaRPr lang="ko-KR" altLang="en-US" dirty="0"/>
           </a:p>
         </p:txBody>
       </p:sp>
@@ -16147,10 +16568,10 @@
       </p:sp>
       <p:sp>
         <p:nvSpPr>
-          <p:cNvPr id="3" name="내용 개체 틀 2">
+          <p:cNvPr id="5" name="내용 개체 틀 4">
             <a:extLst>
               <a:ext uri="{FF2B5EF4-FFF2-40B4-BE49-F238E27FC236}">
-                <a16:creationId xmlns:a16="http://schemas.microsoft.com/office/drawing/2014/main" id="{F92A227C-0EDE-4F2C-96E7-DC4EEBCB892A}"/>
+                <a16:creationId xmlns:a16="http://schemas.microsoft.com/office/drawing/2014/main" id="{0ABF5A18-C9A4-4B11-861D-F1C5F42223C8}"/>
               </a:ext>
             </a:extLst>
           </p:cNvPr>
@@ -16164,456 +16585,93 @@
         <p:spPr/>
         <p:txBody>
           <a:bodyPr>
-            <a:normAutofit fontScale="62500" lnSpcReduction="20000"/>
+            <a:normAutofit lnSpcReduction="10000"/>
           </a:bodyPr>
           <a:lstStyle/>
           <a:p>
-            <a:pPr fontAlgn="base" latinLnBrk="0"/>
-            <a:r>
-              <a:rPr lang="ko-KR" altLang="en-US" dirty="0">
-                <a:solidFill>
-                  <a:schemeClr val="tx1"/>
-                </a:solidFill>
-              </a:rPr>
-              <a:t>군에 입대하여 자대에 배치를 받아 열심히 생활하던 저는</a:t>
-            </a:r>
-            <a:r>
-              <a:rPr lang="en-US" altLang="ko-KR" dirty="0">
-                <a:solidFill>
-                  <a:schemeClr val="tx1"/>
-                </a:solidFill>
-              </a:rPr>
+            <a:r>
+              <a:rPr lang="ko-KR" altLang="en-US" dirty="0"/>
+              <a:t>보급품의 불균형</a:t>
+            </a:r>
+            <a:endParaRPr lang="en-US" altLang="ko-KR" dirty="0"/>
+          </a:p>
+          <a:p>
+            <a:r>
+              <a:rPr lang="ko-KR" altLang="en-US" dirty="0"/>
+              <a:t>타인과의 공유</a:t>
+            </a:r>
+            <a:endParaRPr lang="en-US" altLang="ko-KR" dirty="0"/>
+          </a:p>
+          <a:p>
+            <a:r>
+              <a:rPr lang="ko-KR" altLang="en-US" dirty="0"/>
+              <a:t>수요와 공급 체계적으로 파악</a:t>
+            </a:r>
+            <a:endParaRPr lang="en-US" altLang="ko-KR" dirty="0"/>
+          </a:p>
+          <a:p>
+            <a:r>
+              <a:rPr lang="ko-KR" altLang="en-US" dirty="0"/>
+              <a:t>공유 커뮤니티 마련</a:t>
+            </a:r>
+            <a:endParaRPr lang="en-US" altLang="ko-KR" dirty="0"/>
+          </a:p>
+          <a:p>
+            <a:endParaRPr lang="en-US" altLang="ko-KR" dirty="0"/>
+          </a:p>
+          <a:p>
+            <a:r>
+              <a:rPr lang="ko-KR" altLang="en-US" dirty="0"/>
+              <a:t>보급품만이 아닌 개인 물품</a:t>
+            </a:r>
+            <a:r>
+              <a:rPr lang="en-US" altLang="ko-KR" dirty="0"/>
+              <a:t> </a:t>
+            </a:r>
+            <a:r>
+              <a:rPr lang="ko-KR" altLang="en-US" dirty="0"/>
+              <a:t>공유</a:t>
+            </a:r>
+            <a:endParaRPr lang="en-US" altLang="ko-KR" dirty="0"/>
+          </a:p>
+          <a:p>
+            <a:r>
+              <a:rPr lang="ko-KR" altLang="en-US" dirty="0"/>
+              <a:t>부대 물자 공유</a:t>
+            </a:r>
+            <a:endParaRPr lang="en-US" altLang="ko-KR" dirty="0"/>
+          </a:p>
+          <a:p>
+            <a:endParaRPr lang="en-US" altLang="ko-KR" dirty="0"/>
+          </a:p>
+          <a:p>
+            <a:r>
+              <a:rPr lang="ko-KR" altLang="en-US" dirty="0"/>
+              <a:t>체계적으로</a:t>
+            </a:r>
+            <a:r>
+              <a:rPr lang="en-US" altLang="ko-KR" dirty="0"/>
               <a:t>, </a:t>
             </a:r>
             <a:r>
-              <a:rPr lang="ko-KR" altLang="en-US" dirty="0">
-                <a:solidFill>
-                  <a:schemeClr val="tx1"/>
-                </a:solidFill>
-              </a:rPr>
-              <a:t>특정 보급품이 사람에 따라 너무 많거나 너무 적다는 생각을 하였습니다</a:t>
-            </a:r>
-            <a:r>
-              <a:rPr lang="en-US" altLang="ko-KR" dirty="0">
-                <a:solidFill>
-                  <a:schemeClr val="tx1"/>
-                </a:solidFill>
-              </a:rPr>
-              <a:t>. </a:t>
-            </a:r>
-            <a:endParaRPr lang="ko-KR" altLang="en-US" dirty="0">
-              <a:solidFill>
-                <a:schemeClr val="tx1"/>
-              </a:solidFill>
-            </a:endParaRPr>
-          </a:p>
-          <a:p>
-            <a:pPr fontAlgn="base" latinLnBrk="0"/>
-            <a:r>
-              <a:rPr lang="ko-KR" altLang="en-US" dirty="0">
-                <a:solidFill>
-                  <a:schemeClr val="tx1"/>
-                </a:solidFill>
-              </a:rPr>
-              <a:t>예를 들어 다른 사람에 비해 땀이 자주 나는 사람은 하루에도 샤워를 두 번씩은 하여 속옷이나 양말이 부족하여 불편함을 </a:t>
-            </a:r>
-            <a:r>
-              <a:rPr lang="ko-KR" altLang="en-US" dirty="0" err="1">
-                <a:solidFill>
-                  <a:schemeClr val="tx1"/>
-                </a:solidFill>
-              </a:rPr>
-              <a:t>겪는다던가</a:t>
-            </a:r>
-            <a:r>
-              <a:rPr lang="en-US" altLang="ko-KR" dirty="0">
-                <a:solidFill>
-                  <a:schemeClr val="tx1"/>
-                </a:solidFill>
-              </a:rPr>
+              <a:rPr lang="ko-KR" altLang="en-US" dirty="0"/>
+              <a:t>신속하게</a:t>
+            </a:r>
+            <a:r>
+              <a:rPr lang="en-US" altLang="ko-KR" dirty="0"/>
               <a:t>, </a:t>
             </a:r>
             <a:r>
-              <a:rPr lang="ko-KR" altLang="en-US" dirty="0">
-                <a:solidFill>
-                  <a:schemeClr val="tx1"/>
-                </a:solidFill>
-              </a:rPr>
-              <a:t>추위를 별로 타지 않는 사람은 동내의가 필요하지 않아 보급을 받고 방치해 놓는 경우가 있었습니다</a:t>
-            </a:r>
-            <a:r>
-              <a:rPr lang="en-US" altLang="ko-KR" dirty="0">
-                <a:solidFill>
-                  <a:schemeClr val="tx1"/>
-                </a:solidFill>
-              </a:rPr>
-              <a:t>. </a:t>
-            </a:r>
-            <a:endParaRPr lang="ko-KR" altLang="en-US" dirty="0">
-              <a:solidFill>
-                <a:schemeClr val="tx1"/>
-              </a:solidFill>
-            </a:endParaRPr>
-          </a:p>
-          <a:p>
-            <a:pPr fontAlgn="base" latinLnBrk="0"/>
-            <a:r>
-              <a:rPr lang="ko-KR" altLang="en-US" dirty="0">
-                <a:solidFill>
-                  <a:schemeClr val="tx1"/>
-                </a:solidFill>
-              </a:rPr>
-              <a:t>누군가가 이런 사실을 파악하고</a:t>
-            </a:r>
-            <a:r>
-              <a:rPr lang="en-US" altLang="ko-KR" dirty="0">
-                <a:solidFill>
-                  <a:schemeClr val="tx1"/>
-                </a:solidFill>
-              </a:rPr>
-              <a:t>, </a:t>
-            </a:r>
-            <a:r>
-              <a:rPr lang="ko-KR" altLang="en-US" dirty="0">
-                <a:solidFill>
-                  <a:schemeClr val="tx1"/>
-                </a:solidFill>
-              </a:rPr>
-              <a:t>자신에게 필요 없는 물건을 </a:t>
-            </a:r>
-            <a:r>
-              <a:rPr lang="ko-KR" altLang="en-US" dirty="0" err="1">
-                <a:solidFill>
-                  <a:schemeClr val="tx1"/>
-                </a:solidFill>
-              </a:rPr>
-              <a:t>나누어주면</a:t>
-            </a:r>
-            <a:r>
-              <a:rPr lang="ko-KR" altLang="en-US" dirty="0">
-                <a:solidFill>
-                  <a:schemeClr val="tx1"/>
-                </a:solidFill>
-              </a:rPr>
-              <a:t> 문제는 간단히 해결되었지만</a:t>
-            </a:r>
-            <a:r>
-              <a:rPr lang="en-US" altLang="ko-KR" dirty="0">
-                <a:solidFill>
-                  <a:schemeClr val="tx1"/>
-                </a:solidFill>
-              </a:rPr>
-              <a:t>, </a:t>
-            </a:r>
-            <a:r>
-              <a:rPr lang="ko-KR" altLang="en-US" dirty="0">
-                <a:solidFill>
-                  <a:schemeClr val="tx1"/>
-                </a:solidFill>
-              </a:rPr>
-              <a:t>이해관계가 맞는 사람이 만나 이야기를 하기 전엔 알 수가 없어 불편하게 생활을 하는 모습을 많이 </a:t>
-            </a:r>
-            <a:r>
-              <a:rPr lang="ko-KR" altLang="en-US" dirty="0" err="1">
-                <a:solidFill>
-                  <a:schemeClr val="tx1"/>
-                </a:solidFill>
-              </a:rPr>
-              <a:t>목격했었습니다</a:t>
-            </a:r>
-            <a:r>
-              <a:rPr lang="en-US" altLang="ko-KR" dirty="0">
-                <a:solidFill>
-                  <a:schemeClr val="tx1"/>
-                </a:solidFill>
-              </a:rPr>
-              <a:t>. </a:t>
-            </a:r>
-            <a:endParaRPr lang="ko-KR" altLang="en-US" dirty="0">
-              <a:solidFill>
-                <a:schemeClr val="tx1"/>
-              </a:solidFill>
-            </a:endParaRPr>
-          </a:p>
-          <a:p>
-            <a:pPr fontAlgn="base" latinLnBrk="0"/>
-            <a:r>
-              <a:rPr lang="ko-KR" altLang="en-US" dirty="0">
-                <a:solidFill>
-                  <a:schemeClr val="tx1"/>
-                </a:solidFill>
-              </a:rPr>
-              <a:t>그러던 중 전역자가 자신이 쓰던 물건을 후임병들에게 물려주면서 여러 물건을 공유해 쓰는 모습을 보고 이런 행위를 전국적으로 확대하면 어떨까 하고 생각하였습니다</a:t>
-            </a:r>
-            <a:r>
-              <a:rPr lang="en-US" altLang="ko-KR" dirty="0">
-                <a:solidFill>
-                  <a:schemeClr val="tx1"/>
-                </a:solidFill>
-              </a:rPr>
-              <a:t>.</a:t>
-            </a:r>
-            <a:endParaRPr lang="ko-KR" altLang="en-US" dirty="0">
-              <a:solidFill>
-                <a:schemeClr val="tx1"/>
-              </a:solidFill>
-            </a:endParaRPr>
-          </a:p>
-          <a:p>
+              <a:rPr lang="ko-KR" altLang="en-US" dirty="0"/>
+              <a:t>비대면으로</a:t>
+            </a:r>
             <a:endParaRPr lang="en-US" altLang="ko-KR" dirty="0"/>
           </a:p>
           <a:p>
-            <a:pPr fontAlgn="base" latinLnBrk="0"/>
-            <a:r>
-              <a:rPr lang="ko-KR" altLang="en-US" dirty="0">
-                <a:solidFill>
-                  <a:schemeClr val="tx1"/>
-                </a:solidFill>
-              </a:rPr>
-              <a:t>저는 이런 물품들의 수요와 공급을 체계적으로 파악하고</a:t>
-            </a:r>
-            <a:r>
-              <a:rPr lang="en-US" altLang="ko-KR" dirty="0">
-                <a:solidFill>
-                  <a:schemeClr val="tx1"/>
-                </a:solidFill>
-              </a:rPr>
-              <a:t>, </a:t>
-            </a:r>
-            <a:r>
-              <a:rPr lang="ko-KR" altLang="en-US" dirty="0">
-                <a:solidFill>
-                  <a:schemeClr val="tx1"/>
-                </a:solidFill>
-              </a:rPr>
-              <a:t>공유할 수 있는 커뮤니티를 마련하면 모두에게 이득이 될 수 있다는 생각을 하였습니다</a:t>
-            </a:r>
-            <a:r>
-              <a:rPr lang="en-US" altLang="ko-KR" dirty="0">
-                <a:solidFill>
-                  <a:schemeClr val="tx1"/>
-                </a:solidFill>
-              </a:rPr>
-              <a:t>. </a:t>
-            </a:r>
-            <a:br>
-              <a:rPr lang="ko-KR" altLang="en-US" dirty="0">
-                <a:solidFill>
-                  <a:schemeClr val="tx1"/>
-                </a:solidFill>
-              </a:rPr>
-            </a:br>
-            <a:endParaRPr lang="ko-KR" altLang="en-US" dirty="0">
-              <a:solidFill>
-                <a:schemeClr val="tx1"/>
-              </a:solidFill>
-            </a:endParaRPr>
-          </a:p>
-          <a:p>
-            <a:pPr fontAlgn="base" latinLnBrk="0"/>
-            <a:r>
-              <a:rPr lang="ko-KR" altLang="en-US" dirty="0">
-                <a:solidFill>
-                  <a:schemeClr val="tx1"/>
-                </a:solidFill>
-              </a:rPr>
-              <a:t>여기에서 더 나아가서 보급품만이 아닌 개인 물품 공유</a:t>
-            </a:r>
-            <a:r>
-              <a:rPr lang="en-US" altLang="ko-KR" dirty="0">
-                <a:solidFill>
-                  <a:schemeClr val="tx1"/>
-                </a:solidFill>
-              </a:rPr>
-              <a:t>, </a:t>
-            </a:r>
-            <a:r>
-              <a:rPr lang="ko-KR" altLang="en-US" dirty="0">
-                <a:solidFill>
-                  <a:schemeClr val="tx1"/>
-                </a:solidFill>
-              </a:rPr>
-              <a:t>부대 단위로 물자를 공유하면 전 군에서 낭비되는 물품을 줄이고 이러한 비용을 줄여 다른 곳에 투자할 수 있겠다고 생각하였습니다</a:t>
-            </a:r>
-            <a:r>
-              <a:rPr lang="en-US" altLang="ko-KR" dirty="0">
-                <a:solidFill>
-                  <a:schemeClr val="tx1"/>
-                </a:solidFill>
-              </a:rPr>
-              <a:t>.</a:t>
-            </a:r>
-            <a:endParaRPr lang="ko-KR" altLang="en-US" dirty="0">
-              <a:solidFill>
-                <a:schemeClr val="tx1"/>
-              </a:solidFill>
-            </a:endParaRPr>
-          </a:p>
-          <a:p>
-            <a:pPr fontAlgn="base" latinLnBrk="0"/>
-            <a:r>
-              <a:rPr lang="ko-KR" altLang="en-US" dirty="0">
-                <a:solidFill>
-                  <a:schemeClr val="tx1"/>
-                </a:solidFill>
-              </a:rPr>
-              <a:t>또한</a:t>
-            </a:r>
-            <a:r>
-              <a:rPr lang="en-US" altLang="ko-KR" dirty="0">
-                <a:solidFill>
-                  <a:schemeClr val="tx1"/>
-                </a:solidFill>
-              </a:rPr>
-              <a:t>, </a:t>
-            </a:r>
-            <a:r>
-              <a:rPr lang="ko-KR" altLang="en-US" dirty="0">
-                <a:solidFill>
-                  <a:schemeClr val="tx1"/>
-                </a:solidFill>
-              </a:rPr>
-              <a:t>이를 </a:t>
-            </a:r>
-            <a:r>
-              <a:rPr lang="ko-KR" altLang="en-US" dirty="0" err="1">
-                <a:solidFill>
-                  <a:schemeClr val="tx1"/>
-                </a:solidFill>
-              </a:rPr>
-              <a:t>사업화하여</a:t>
-            </a:r>
-            <a:r>
-              <a:rPr lang="en-US" altLang="ko-KR" dirty="0">
-                <a:solidFill>
-                  <a:schemeClr val="tx1"/>
-                </a:solidFill>
-              </a:rPr>
-              <a:t>, </a:t>
-            </a:r>
-            <a:r>
-              <a:rPr lang="ko-KR" altLang="en-US" dirty="0">
-                <a:solidFill>
-                  <a:schemeClr val="tx1"/>
-                </a:solidFill>
-              </a:rPr>
-              <a:t>개인 대 개인</a:t>
-            </a:r>
-            <a:r>
-              <a:rPr lang="en-US" altLang="ko-KR" dirty="0">
-                <a:solidFill>
-                  <a:schemeClr val="tx1"/>
-                </a:solidFill>
-              </a:rPr>
-              <a:t>, </a:t>
-            </a:r>
-            <a:r>
-              <a:rPr lang="ko-KR" altLang="en-US" dirty="0">
-                <a:solidFill>
-                  <a:schemeClr val="tx1"/>
-                </a:solidFill>
-              </a:rPr>
-              <a:t>부대 대 부대로 물건을 주고받는 것과 더불어 사업체의 물류 창고에 물품을 적재하고</a:t>
-            </a:r>
-            <a:r>
-              <a:rPr lang="en-US" altLang="ko-KR" dirty="0">
-                <a:solidFill>
-                  <a:schemeClr val="tx1"/>
-                </a:solidFill>
-              </a:rPr>
-              <a:t>, </a:t>
-            </a:r>
-            <a:r>
-              <a:rPr lang="ko-KR" altLang="en-US" dirty="0">
-                <a:solidFill>
-                  <a:schemeClr val="tx1"/>
-                </a:solidFill>
-              </a:rPr>
-              <a:t>분류하여 제공자에겐 제공한 물품에 맞는 적절한 보상</a:t>
-            </a:r>
-            <a:r>
-              <a:rPr lang="en-US" altLang="ko-KR" dirty="0">
-                <a:solidFill>
-                  <a:schemeClr val="tx1"/>
-                </a:solidFill>
-              </a:rPr>
-              <a:t>(</a:t>
-            </a:r>
-            <a:r>
-              <a:rPr lang="ko-KR" altLang="en-US" dirty="0">
-                <a:solidFill>
-                  <a:schemeClr val="tx1"/>
-                </a:solidFill>
-              </a:rPr>
-              <a:t>포인트</a:t>
-            </a:r>
-            <a:r>
-              <a:rPr lang="en-US" altLang="ko-KR" dirty="0">
-                <a:solidFill>
-                  <a:schemeClr val="tx1"/>
-                </a:solidFill>
-              </a:rPr>
-              <a:t>)</a:t>
-            </a:r>
-            <a:r>
-              <a:rPr lang="ko-KR" altLang="en-US" dirty="0">
-                <a:solidFill>
-                  <a:schemeClr val="tx1"/>
-                </a:solidFill>
-              </a:rPr>
-              <a:t>이 주어지고</a:t>
-            </a:r>
-            <a:r>
-              <a:rPr lang="en-US" altLang="ko-KR" dirty="0">
-                <a:solidFill>
-                  <a:schemeClr val="tx1"/>
-                </a:solidFill>
-              </a:rPr>
-              <a:t>, </a:t>
-            </a:r>
-            <a:r>
-              <a:rPr lang="ko-KR" altLang="en-US" dirty="0">
-                <a:solidFill>
-                  <a:schemeClr val="tx1"/>
-                </a:solidFill>
-              </a:rPr>
-              <a:t>수혜자는 포인트와 배송비만 납부하면 필요한 물건만 체계적이고 신속하게</a:t>
-            </a:r>
-            <a:r>
-              <a:rPr lang="en-US" altLang="ko-KR" dirty="0">
-                <a:solidFill>
-                  <a:schemeClr val="tx1"/>
-                </a:solidFill>
-              </a:rPr>
-              <a:t>, </a:t>
-            </a:r>
-            <a:r>
-              <a:rPr lang="ko-KR" altLang="en-US" dirty="0">
-                <a:solidFill>
-                  <a:schemeClr val="tx1"/>
-                </a:solidFill>
-              </a:rPr>
-              <a:t>비대면으로 수령할 수 있는 사업으로 발전 시킬 수 있다고 생각하였습니다</a:t>
-            </a:r>
-            <a:r>
-              <a:rPr lang="en-US" altLang="ko-KR" dirty="0">
-                <a:solidFill>
-                  <a:schemeClr val="tx1"/>
-                </a:solidFill>
-              </a:rPr>
-              <a:t>.</a:t>
-            </a:r>
-            <a:endParaRPr lang="ko-KR" altLang="en-US" dirty="0">
-              <a:solidFill>
-                <a:schemeClr val="tx1"/>
-              </a:solidFill>
-            </a:endParaRPr>
-          </a:p>
-          <a:p>
-            <a:endParaRPr lang="ko-KR" altLang="en-US" dirty="0"/>
-          </a:p>
-          <a:p>
-            <a:endParaRPr lang="ko-KR" altLang="en-US" dirty="0"/>
+            <a:r>
+              <a:rPr lang="ko-KR" altLang="en-US" dirty="0"/>
+              <a:t>물류 창고</a:t>
+            </a:r>
           </a:p>
         </p:txBody>
       </p:sp>
@@ -16698,32 +16756,34 @@
           </a:xfrm>
         </p:spPr>
         <p:txBody>
-          <a:bodyPr/>
+          <a:bodyPr>
+            <a:normAutofit/>
+          </a:bodyPr>
           <a:lstStyle/>
           <a:p>
             <a:r>
-              <a:rPr lang="ko-KR" altLang="en-US" dirty="0"/>
+              <a:rPr lang="ko-KR" altLang="en-US" sz="2800" dirty="0"/>
               <a:t>자원 절약</a:t>
             </a:r>
-            <a:endParaRPr lang="en-US" altLang="ko-KR" dirty="0"/>
-          </a:p>
-          <a:p>
-            <a:r>
-              <a:rPr lang="ko-KR" altLang="en-US" dirty="0"/>
+            <a:endParaRPr lang="en-US" altLang="ko-KR" sz="2800" dirty="0"/>
+          </a:p>
+          <a:p>
+            <a:r>
+              <a:rPr lang="ko-KR" altLang="en-US" sz="2800" dirty="0"/>
               <a:t>선순환</a:t>
             </a:r>
-            <a:endParaRPr lang="en-US" altLang="ko-KR" dirty="0"/>
-          </a:p>
-          <a:p>
-            <a:r>
-              <a:rPr lang="ko-KR" altLang="en-US" dirty="0" err="1"/>
+            <a:endParaRPr lang="en-US" altLang="ko-KR" sz="2800" dirty="0"/>
+          </a:p>
+          <a:p>
+            <a:r>
+              <a:rPr lang="ko-KR" altLang="en-US" sz="2800" dirty="0" err="1"/>
               <a:t>비대면</a:t>
             </a:r>
-            <a:endParaRPr lang="en-US" altLang="ko-KR" dirty="0"/>
-          </a:p>
-          <a:p>
-            <a:r>
-              <a:rPr lang="ko-KR" altLang="en-US" dirty="0"/>
+            <a:endParaRPr lang="en-US" altLang="ko-KR" sz="2800" dirty="0"/>
+          </a:p>
+          <a:p>
+            <a:r>
+              <a:rPr lang="ko-KR" altLang="en-US" sz="2800" dirty="0"/>
               <a:t>공유경제</a:t>
             </a:r>
           </a:p>
@@ -16817,7 +16877,7 @@
         </p:blipFill>
         <p:spPr>
           <a:xfrm>
-            <a:off x="677335" y="1930401"/>
+            <a:off x="928544" y="2006600"/>
             <a:ext cx="1422400" cy="1422400"/>
           </a:xfrm>
           <a:prstGeom prst="rect">
@@ -16847,7 +16907,7 @@
         </p:blipFill>
         <p:spPr>
           <a:xfrm>
-            <a:off x="677334" y="3644901"/>
+            <a:off x="928543" y="3721100"/>
             <a:ext cx="1422400" cy="1422400"/>
           </a:xfrm>
           <a:prstGeom prst="rect">
@@ -16884,7 +16944,7 @@
         </p:blipFill>
         <p:spPr bwMode="auto">
           <a:xfrm>
-            <a:off x="4829175" y="1930400"/>
+            <a:off x="4728692" y="1714498"/>
             <a:ext cx="1714501" cy="1714501"/>
           </a:xfrm>
           <a:prstGeom prst="rect">
@@ -16931,7 +16991,7 @@
         </p:blipFill>
         <p:spPr bwMode="auto">
           <a:xfrm>
-            <a:off x="4829175" y="3644901"/>
+            <a:off x="4728692" y="3428999"/>
             <a:ext cx="1714501" cy="1714501"/>
           </a:xfrm>
           <a:prstGeom prst="rect">
@@ -17475,6 +17535,21 @@
               <a:rPr lang="ko-KR" altLang="en-US" dirty="0"/>
               <a:t>거래 프로세스</a:t>
             </a:r>
+            <a:br>
+              <a:rPr lang="en-US" altLang="ko-KR" dirty="0"/>
+            </a:br>
+            <a:r>
+              <a:rPr lang="ko-KR" altLang="en-US" dirty="0"/>
+              <a:t>직접 거래</a:t>
+            </a:r>
+            <a:r>
+              <a:rPr lang="en-US" altLang="ko-KR" dirty="0"/>
+              <a:t>					</a:t>
+            </a:r>
+            <a:r>
+              <a:rPr lang="ko-KR" altLang="en-US" dirty="0"/>
+              <a:t>중개 거래</a:t>
+            </a:r>
           </a:p>
         </p:txBody>
       </p:sp>
@@ -17494,14 +17569,536 @@
             <p:ph idx="1"/>
           </p:nvPr>
         </p:nvSpPr>
-        <p:spPr/>
+        <p:spPr>
+          <a:xfrm>
+            <a:off x="677334" y="2160589"/>
+            <a:ext cx="4025295" cy="3880773"/>
+          </a:xfrm>
+        </p:spPr>
         <p:txBody>
           <a:bodyPr>
             <a:normAutofit/>
           </a:bodyPr>
           <a:lstStyle/>
           <a:p>
-            <a:endParaRPr lang="ko-KR" altLang="en-US" dirty="0"/>
+            <a:r>
+              <a:rPr lang="ko-KR" altLang="en-US" dirty="0"/>
+              <a:t>물품 </a:t>
+            </a:r>
+            <a:r>
+              <a:rPr lang="ko-KR" altLang="en-US" dirty="0" err="1"/>
+              <a:t>거래글</a:t>
+            </a:r>
+            <a:r>
+              <a:rPr lang="ko-KR" altLang="en-US" dirty="0"/>
+              <a:t> 작성 </a:t>
+            </a:r>
+            <a:r>
+              <a:rPr lang="en-US" altLang="ko-KR" dirty="0"/>
+              <a:t>(</a:t>
+            </a:r>
+            <a:r>
+              <a:rPr lang="ko-KR" altLang="en-US" dirty="0"/>
+              <a:t>쌍방향</a:t>
+            </a:r>
+            <a:r>
+              <a:rPr lang="en-US" altLang="ko-KR" dirty="0"/>
+              <a:t>)</a:t>
+            </a:r>
+          </a:p>
+          <a:p>
+            <a:endParaRPr lang="en-US" altLang="ko-KR" dirty="0"/>
+          </a:p>
+          <a:p>
+            <a:r>
+              <a:rPr lang="ko-KR" altLang="en-US" dirty="0"/>
+              <a:t>의향이 있는 </a:t>
+            </a:r>
+            <a:r>
+              <a:rPr lang="ko-KR" altLang="en-US" dirty="0" err="1"/>
+              <a:t>사용자끼리의</a:t>
+            </a:r>
+            <a:r>
+              <a:rPr lang="ko-KR" altLang="en-US" dirty="0"/>
+              <a:t> 매칭</a:t>
+            </a:r>
+            <a:endParaRPr lang="en-US" altLang="ko-KR" dirty="0"/>
+          </a:p>
+        </p:txBody>
+      </p:sp>
+      <p:sp>
+        <p:nvSpPr>
+          <p:cNvPr id="4" name="내용 개체 틀 2">
+            <a:extLst>
+              <a:ext uri="{FF2B5EF4-FFF2-40B4-BE49-F238E27FC236}">
+                <a16:creationId xmlns:a16="http://schemas.microsoft.com/office/drawing/2014/main" id="{13421A1D-6ADD-491D-953D-A9857082798F}"/>
+              </a:ext>
+            </a:extLst>
+          </p:cNvPr>
+          <p:cNvSpPr txBox="1">
+            <a:spLocks/>
+          </p:cNvSpPr>
+          <p:nvPr/>
+        </p:nvSpPr>
+        <p:spPr>
+          <a:xfrm>
+            <a:off x="4975668" y="2160589"/>
+            <a:ext cx="4025295" cy="3880773"/>
+          </a:xfrm>
+          <a:prstGeom prst="rect">
+            <a:avLst/>
+          </a:prstGeom>
+        </p:spPr>
+        <p:txBody>
+          <a:bodyPr vert="horz" lIns="91440" tIns="45720" rIns="91440" bIns="45720" rtlCol="0">
+            <a:normAutofit/>
+          </a:bodyPr>
+          <a:lstStyle>
+            <a:lvl1pPr marL="342900" indent="-342900" algn="l" defTabSz="457200" rtl="0" eaLnBrk="1" latinLnBrk="1" hangingPunct="1">
+              <a:spcBef>
+                <a:spcPts val="1000"/>
+              </a:spcBef>
+              <a:spcAft>
+                <a:spcPts val="0"/>
+              </a:spcAft>
+              <a:buClr>
+                <a:schemeClr val="accent1"/>
+              </a:buClr>
+              <a:buSzPct val="80000"/>
+              <a:buFont typeface="Wingdings 3" charset="2"/>
+              <a:buChar char=""/>
+              <a:defRPr sz="1800" kern="1200">
+                <a:solidFill>
+                  <a:schemeClr val="tx1">
+                    <a:lumMod val="75000"/>
+                    <a:lumOff val="25000"/>
+                  </a:schemeClr>
+                </a:solidFill>
+                <a:latin typeface="+mn-lt"/>
+                <a:ea typeface="+mn-ea"/>
+                <a:cs typeface="+mn-cs"/>
+              </a:defRPr>
+            </a:lvl1pPr>
+            <a:lvl2pPr marL="742950" indent="-285750" algn="l" defTabSz="457200" rtl="0" eaLnBrk="1" latinLnBrk="1" hangingPunct="1">
+              <a:spcBef>
+                <a:spcPts val="1000"/>
+              </a:spcBef>
+              <a:spcAft>
+                <a:spcPts val="0"/>
+              </a:spcAft>
+              <a:buClr>
+                <a:schemeClr val="accent1"/>
+              </a:buClr>
+              <a:buSzPct val="80000"/>
+              <a:buFont typeface="Wingdings 3" charset="2"/>
+              <a:buChar char=""/>
+              <a:defRPr sz="1600" kern="1200">
+                <a:solidFill>
+                  <a:schemeClr val="tx1">
+                    <a:lumMod val="75000"/>
+                    <a:lumOff val="25000"/>
+                  </a:schemeClr>
+                </a:solidFill>
+                <a:latin typeface="+mn-lt"/>
+                <a:ea typeface="+mn-ea"/>
+                <a:cs typeface="+mn-cs"/>
+              </a:defRPr>
+            </a:lvl2pPr>
+            <a:lvl3pPr marL="1143000" indent="-228600" algn="l" defTabSz="457200" rtl="0" eaLnBrk="1" latinLnBrk="1" hangingPunct="1">
+              <a:spcBef>
+                <a:spcPts val="1000"/>
+              </a:spcBef>
+              <a:spcAft>
+                <a:spcPts val="0"/>
+              </a:spcAft>
+              <a:buClr>
+                <a:schemeClr val="accent1"/>
+              </a:buClr>
+              <a:buSzPct val="80000"/>
+              <a:buFont typeface="Wingdings 3" charset="2"/>
+              <a:buChar char=""/>
+              <a:defRPr sz="1400" kern="1200">
+                <a:solidFill>
+                  <a:schemeClr val="tx1">
+                    <a:lumMod val="75000"/>
+                    <a:lumOff val="25000"/>
+                  </a:schemeClr>
+                </a:solidFill>
+                <a:latin typeface="+mn-lt"/>
+                <a:ea typeface="+mn-ea"/>
+                <a:cs typeface="+mn-cs"/>
+              </a:defRPr>
+            </a:lvl3pPr>
+            <a:lvl4pPr marL="1600200" indent="-228600" algn="l" defTabSz="457200" rtl="0" eaLnBrk="1" latinLnBrk="1" hangingPunct="1">
+              <a:spcBef>
+                <a:spcPts val="1000"/>
+              </a:spcBef>
+              <a:spcAft>
+                <a:spcPts val="0"/>
+              </a:spcAft>
+              <a:buClr>
+                <a:schemeClr val="accent1"/>
+              </a:buClr>
+              <a:buSzPct val="80000"/>
+              <a:buFont typeface="Wingdings 3" charset="2"/>
+              <a:buChar char=""/>
+              <a:defRPr sz="1200" kern="1200">
+                <a:solidFill>
+                  <a:schemeClr val="tx1">
+                    <a:lumMod val="75000"/>
+                    <a:lumOff val="25000"/>
+                  </a:schemeClr>
+                </a:solidFill>
+                <a:latin typeface="+mn-lt"/>
+                <a:ea typeface="+mn-ea"/>
+                <a:cs typeface="+mn-cs"/>
+              </a:defRPr>
+            </a:lvl4pPr>
+            <a:lvl5pPr marL="2057400" indent="-228600" algn="l" defTabSz="457200" rtl="0" eaLnBrk="1" latinLnBrk="1" hangingPunct="1">
+              <a:spcBef>
+                <a:spcPts val="1000"/>
+              </a:spcBef>
+              <a:spcAft>
+                <a:spcPts val="0"/>
+              </a:spcAft>
+              <a:buClr>
+                <a:schemeClr val="accent1"/>
+              </a:buClr>
+              <a:buSzPct val="80000"/>
+              <a:buFont typeface="Wingdings 3" charset="2"/>
+              <a:buChar char=""/>
+              <a:defRPr sz="1200" kern="1200">
+                <a:solidFill>
+                  <a:schemeClr val="tx1">
+                    <a:lumMod val="75000"/>
+                    <a:lumOff val="25000"/>
+                  </a:schemeClr>
+                </a:solidFill>
+                <a:latin typeface="+mn-lt"/>
+                <a:ea typeface="+mn-ea"/>
+                <a:cs typeface="+mn-cs"/>
+              </a:defRPr>
+            </a:lvl5pPr>
+            <a:lvl6pPr marL="2514600" indent="-228600" algn="l" defTabSz="457200" rtl="0" eaLnBrk="1" latinLnBrk="1" hangingPunct="1">
+              <a:spcBef>
+                <a:spcPts val="1000"/>
+              </a:spcBef>
+              <a:spcAft>
+                <a:spcPts val="0"/>
+              </a:spcAft>
+              <a:buClr>
+                <a:schemeClr val="accent1"/>
+              </a:buClr>
+              <a:buSzPct val="80000"/>
+              <a:buFont typeface="Wingdings 3" charset="2"/>
+              <a:buChar char=""/>
+              <a:defRPr sz="1200" kern="1200">
+                <a:solidFill>
+                  <a:schemeClr val="tx1">
+                    <a:lumMod val="75000"/>
+                    <a:lumOff val="25000"/>
+                  </a:schemeClr>
+                </a:solidFill>
+                <a:latin typeface="+mn-lt"/>
+                <a:ea typeface="+mn-ea"/>
+                <a:cs typeface="+mn-cs"/>
+              </a:defRPr>
+            </a:lvl6pPr>
+            <a:lvl7pPr marL="2971800" indent="-228600" algn="l" defTabSz="457200" rtl="0" eaLnBrk="1" latinLnBrk="1" hangingPunct="1">
+              <a:spcBef>
+                <a:spcPts val="1000"/>
+              </a:spcBef>
+              <a:spcAft>
+                <a:spcPts val="0"/>
+              </a:spcAft>
+              <a:buClr>
+                <a:schemeClr val="accent1"/>
+              </a:buClr>
+              <a:buSzPct val="80000"/>
+              <a:buFont typeface="Wingdings 3" charset="2"/>
+              <a:buChar char=""/>
+              <a:defRPr sz="1200" kern="1200">
+                <a:solidFill>
+                  <a:schemeClr val="tx1">
+                    <a:lumMod val="75000"/>
+                    <a:lumOff val="25000"/>
+                  </a:schemeClr>
+                </a:solidFill>
+                <a:latin typeface="+mn-lt"/>
+                <a:ea typeface="+mn-ea"/>
+                <a:cs typeface="+mn-cs"/>
+              </a:defRPr>
+            </a:lvl7pPr>
+            <a:lvl8pPr marL="3429000" indent="-228600" algn="l" defTabSz="457200" rtl="0" eaLnBrk="1" latinLnBrk="1" hangingPunct="1">
+              <a:spcBef>
+                <a:spcPts val="1000"/>
+              </a:spcBef>
+              <a:spcAft>
+                <a:spcPts val="0"/>
+              </a:spcAft>
+              <a:buClr>
+                <a:schemeClr val="accent1"/>
+              </a:buClr>
+              <a:buSzPct val="80000"/>
+              <a:buFont typeface="Wingdings 3" charset="2"/>
+              <a:buChar char=""/>
+              <a:defRPr sz="1200" kern="1200">
+                <a:solidFill>
+                  <a:schemeClr val="tx1">
+                    <a:lumMod val="75000"/>
+                    <a:lumOff val="25000"/>
+                  </a:schemeClr>
+                </a:solidFill>
+                <a:latin typeface="+mn-lt"/>
+                <a:ea typeface="+mn-ea"/>
+                <a:cs typeface="+mn-cs"/>
+              </a:defRPr>
+            </a:lvl8pPr>
+            <a:lvl9pPr marL="3886200" indent="-228600" algn="l" defTabSz="457200" rtl="0" eaLnBrk="1" latinLnBrk="1" hangingPunct="1">
+              <a:spcBef>
+                <a:spcPts val="1000"/>
+              </a:spcBef>
+              <a:spcAft>
+                <a:spcPts val="0"/>
+              </a:spcAft>
+              <a:buClr>
+                <a:schemeClr val="accent1"/>
+              </a:buClr>
+              <a:buSzPct val="80000"/>
+              <a:buFont typeface="Wingdings 3" charset="2"/>
+              <a:buChar char=""/>
+              <a:defRPr sz="1200" kern="1200">
+                <a:solidFill>
+                  <a:schemeClr val="tx1">
+                    <a:lumMod val="75000"/>
+                    <a:lumOff val="25000"/>
+                  </a:schemeClr>
+                </a:solidFill>
+                <a:latin typeface="+mn-lt"/>
+                <a:ea typeface="+mn-ea"/>
+                <a:cs typeface="+mn-cs"/>
+              </a:defRPr>
+            </a:lvl9pPr>
+          </a:lstStyle>
+          <a:p>
+            <a:pPr fontAlgn="base" latinLnBrk="1"/>
+            <a:r>
+              <a:rPr lang="ko-KR" altLang="en-US" sz="1800" kern="1200" dirty="0">
+                <a:solidFill>
+                  <a:schemeClr val="tx1"/>
+                </a:solidFill>
+                <a:effectLst/>
+                <a:latin typeface="+mn-lt"/>
+                <a:ea typeface="+mn-ea"/>
+                <a:cs typeface="+mn-cs"/>
+              </a:rPr>
+              <a:t>사용자는 물품의 종류</a:t>
+            </a:r>
+            <a:r>
+              <a:rPr lang="en-US" altLang="ko-KR" sz="1800" kern="1200" dirty="0">
+                <a:solidFill>
+                  <a:schemeClr val="tx1"/>
+                </a:solidFill>
+                <a:effectLst/>
+                <a:latin typeface="+mn-lt"/>
+                <a:ea typeface="+mn-ea"/>
+                <a:cs typeface="+mn-cs"/>
+              </a:rPr>
+              <a:t>, </a:t>
+            </a:r>
+            <a:r>
+              <a:rPr lang="ko-KR" altLang="en-US" sz="1800" kern="1200" dirty="0">
+                <a:solidFill>
+                  <a:schemeClr val="tx1"/>
+                </a:solidFill>
+                <a:effectLst/>
+                <a:latin typeface="+mn-lt"/>
+                <a:ea typeface="+mn-ea"/>
+                <a:cs typeface="+mn-cs"/>
+              </a:rPr>
+              <a:t>상태를 </a:t>
+            </a:r>
+            <a:r>
+              <a:rPr lang="en-US" altLang="ko-KR" sz="1800" kern="1200" dirty="0" err="1">
+                <a:solidFill>
+                  <a:schemeClr val="tx1"/>
+                </a:solidFill>
+                <a:effectLst/>
+                <a:latin typeface="+mn-lt"/>
+                <a:ea typeface="+mn-ea"/>
+                <a:cs typeface="+mn-cs"/>
+              </a:rPr>
+              <a:t>ArmyShare</a:t>
+            </a:r>
+            <a:r>
+              <a:rPr lang="ko-KR" altLang="en-US" sz="1800" kern="1200" dirty="0">
+                <a:solidFill>
+                  <a:schemeClr val="tx1"/>
+                </a:solidFill>
+                <a:effectLst/>
+                <a:latin typeface="+mn-lt"/>
+                <a:ea typeface="+mn-ea"/>
+                <a:cs typeface="+mn-cs"/>
+              </a:rPr>
+              <a:t>에 제공</a:t>
+            </a:r>
+            <a:endParaRPr lang="en-US" altLang="ko-KR" sz="1800" kern="1200" dirty="0">
+              <a:solidFill>
+                <a:schemeClr val="tx1"/>
+              </a:solidFill>
+              <a:effectLst/>
+              <a:latin typeface="+mn-lt"/>
+              <a:ea typeface="+mn-ea"/>
+              <a:cs typeface="+mn-cs"/>
+            </a:endParaRPr>
+          </a:p>
+          <a:p>
+            <a:pPr fontAlgn="base" latinLnBrk="1"/>
+            <a:r>
+              <a:rPr lang="ko-KR" altLang="en-US" sz="1800" kern="1200" dirty="0">
+                <a:solidFill>
+                  <a:schemeClr val="tx1"/>
+                </a:solidFill>
+                <a:effectLst/>
+                <a:latin typeface="+mn-lt"/>
+                <a:ea typeface="+mn-ea"/>
+                <a:cs typeface="+mn-cs"/>
+              </a:rPr>
+              <a:t>분류</a:t>
+            </a:r>
+            <a:r>
+              <a:rPr lang="en-US" altLang="ko-KR" sz="1800" kern="1200" dirty="0">
+                <a:solidFill>
+                  <a:schemeClr val="tx1"/>
+                </a:solidFill>
+                <a:effectLst/>
+                <a:latin typeface="+mn-lt"/>
+                <a:ea typeface="+mn-ea"/>
+                <a:cs typeface="+mn-cs"/>
+              </a:rPr>
+              <a:t>-</a:t>
+            </a:r>
+            <a:r>
+              <a:rPr lang="ko-KR" altLang="en-US" sz="1800" kern="1200" dirty="0">
+                <a:solidFill>
+                  <a:schemeClr val="tx1"/>
+                </a:solidFill>
+                <a:effectLst/>
+                <a:latin typeface="+mn-lt"/>
+                <a:ea typeface="+mn-ea"/>
+                <a:cs typeface="+mn-cs"/>
+              </a:rPr>
+              <a:t>가치 평가</a:t>
+            </a:r>
+            <a:endParaRPr lang="en-US" altLang="ko-KR" sz="1800" kern="1200" dirty="0">
+              <a:solidFill>
+                <a:schemeClr val="tx1"/>
+              </a:solidFill>
+              <a:effectLst/>
+              <a:latin typeface="+mn-lt"/>
+              <a:ea typeface="+mn-ea"/>
+              <a:cs typeface="+mn-cs"/>
+            </a:endParaRPr>
+          </a:p>
+          <a:p>
+            <a:pPr fontAlgn="base" latinLnBrk="1"/>
+            <a:r>
+              <a:rPr lang="ko-KR" altLang="en-US" dirty="0">
+                <a:solidFill>
+                  <a:schemeClr val="tx1"/>
+                </a:solidFill>
+              </a:rPr>
+              <a:t>포인트로 환급</a:t>
+            </a:r>
+            <a:endParaRPr lang="en-US" altLang="ko-KR" sz="1800" kern="1200" dirty="0">
+              <a:solidFill>
+                <a:schemeClr val="tx1"/>
+              </a:solidFill>
+              <a:effectLst/>
+              <a:latin typeface="+mn-lt"/>
+              <a:ea typeface="+mn-ea"/>
+              <a:cs typeface="+mn-cs"/>
+            </a:endParaRPr>
+          </a:p>
+          <a:p>
+            <a:pPr fontAlgn="base" latinLnBrk="1"/>
+            <a:r>
+              <a:rPr lang="ko-KR" altLang="en-US" sz="1800" kern="1200" dirty="0">
+                <a:solidFill>
+                  <a:schemeClr val="tx1"/>
+                </a:solidFill>
+                <a:effectLst/>
+                <a:latin typeface="+mn-lt"/>
+                <a:ea typeface="+mn-ea"/>
+                <a:cs typeface="+mn-cs"/>
+              </a:rPr>
+              <a:t>창고에 </a:t>
+            </a:r>
+            <a:r>
+              <a:rPr lang="ko-KR" altLang="en-US" sz="1800" kern="1200" dirty="0" err="1">
+                <a:solidFill>
+                  <a:schemeClr val="tx1"/>
+                </a:solidFill>
+                <a:effectLst/>
+                <a:latin typeface="+mn-lt"/>
+                <a:ea typeface="+mn-ea"/>
+                <a:cs typeface="+mn-cs"/>
+              </a:rPr>
+              <a:t>적제</a:t>
+            </a:r>
+            <a:endParaRPr lang="en-US" altLang="ko-KR" sz="1800" kern="1200" dirty="0">
+              <a:solidFill>
+                <a:schemeClr val="tx1"/>
+              </a:solidFill>
+              <a:effectLst/>
+              <a:latin typeface="+mn-lt"/>
+              <a:ea typeface="+mn-ea"/>
+              <a:cs typeface="+mn-cs"/>
+            </a:endParaRPr>
+          </a:p>
+          <a:p>
+            <a:pPr fontAlgn="base" latinLnBrk="1"/>
+            <a:r>
+              <a:rPr lang="ko-KR" altLang="en-US" sz="1800" kern="1200" dirty="0">
+                <a:solidFill>
+                  <a:schemeClr val="tx1"/>
+                </a:solidFill>
+                <a:effectLst/>
+                <a:latin typeface="+mn-lt"/>
+                <a:ea typeface="+mn-ea"/>
+                <a:cs typeface="+mn-cs"/>
+              </a:rPr>
+              <a:t>앱에서 확인</a:t>
+            </a:r>
+            <a:endParaRPr lang="en-US" altLang="ko-KR" sz="1800" kern="1200" dirty="0">
+              <a:solidFill>
+                <a:schemeClr val="tx1"/>
+              </a:solidFill>
+              <a:effectLst/>
+              <a:latin typeface="+mn-lt"/>
+              <a:ea typeface="+mn-ea"/>
+              <a:cs typeface="+mn-cs"/>
+            </a:endParaRPr>
+          </a:p>
+          <a:p>
+            <a:pPr fontAlgn="base" latinLnBrk="1"/>
+            <a:r>
+              <a:rPr lang="ko-KR" altLang="en-US" dirty="0">
+                <a:solidFill>
+                  <a:schemeClr val="tx1"/>
+                </a:solidFill>
+              </a:rPr>
+              <a:t>포인트로 구매</a:t>
+            </a:r>
+            <a:endParaRPr lang="en-US" altLang="ko-KR" sz="1800" kern="1200" dirty="0">
+              <a:solidFill>
+                <a:schemeClr val="tx1"/>
+              </a:solidFill>
+              <a:effectLst/>
+              <a:latin typeface="+mn-lt"/>
+              <a:ea typeface="+mn-ea"/>
+              <a:cs typeface="+mn-cs"/>
+            </a:endParaRPr>
           </a:p>
         </p:txBody>
       </p:sp>
@@ -17521,6 +18118,14 @@
 <file path=ppt/slides/slide9.xml><?xml version="1.0" encoding="utf-8"?>
 <p:sld xmlns:a="http://schemas.openxmlformats.org/drawingml/2006/main" xmlns:r="http://schemas.openxmlformats.org/officeDocument/2006/relationships" xmlns:p="http://schemas.openxmlformats.org/presentationml/2006/main">
   <p:cSld>
+    <p:bg>
+      <p:bgPr>
+        <a:solidFill>
+          <a:schemeClr val="bg1"/>
+        </a:solidFill>
+        <a:effectLst/>
+      </p:bgPr>
+    </p:bg>
     <p:spTree>
       <p:nvGrpSpPr>
         <p:cNvPr id="1" name=""/>
@@ -17551,9 +18156,16 @@
             <p:ph type="title"/>
           </p:nvPr>
         </p:nvSpPr>
-        <p:spPr/>
+        <p:spPr>
+          <a:xfrm>
+            <a:off x="677334" y="609600"/>
+            <a:ext cx="8596668" cy="1320800"/>
+          </a:xfrm>
+        </p:spPr>
         <p:txBody>
-          <a:bodyPr/>
+          <a:bodyPr anchor="t">
+            <a:normAutofit/>
+          </a:bodyPr>
           <a:lstStyle/>
           <a:p>
             <a:r>
@@ -17579,17 +18191,119 @@
             <p:ph idx="1"/>
           </p:nvPr>
         </p:nvSpPr>
-        <p:spPr/>
+        <p:spPr>
+          <a:xfrm>
+            <a:off x="677334" y="2160590"/>
+            <a:ext cx="5220430" cy="3701270"/>
+          </a:xfrm>
+        </p:spPr>
         <p:txBody>
           <a:bodyPr>
             <a:normAutofit/>
           </a:bodyPr>
           <a:lstStyle/>
           <a:p>
+            <a:r>
+              <a:rPr lang="ko-KR" altLang="en-US" dirty="0"/>
+              <a:t>영상 처리</a:t>
+            </a:r>
+            <a:r>
+              <a:rPr lang="en-US" altLang="ko-KR" dirty="0"/>
+              <a:t>, </a:t>
+            </a:r>
+            <a:r>
+              <a:rPr lang="ko-KR" altLang="en-US" dirty="0"/>
+              <a:t>인공 지능을 이용한 분류</a:t>
+            </a:r>
+            <a:r>
+              <a:rPr lang="en-US" altLang="ko-KR" dirty="0"/>
+              <a:t>-</a:t>
+            </a:r>
+            <a:r>
+              <a:rPr lang="ko-KR" altLang="en-US" dirty="0"/>
+              <a:t>가치 평가 기술</a:t>
+            </a:r>
+            <a:endParaRPr lang="en-US" altLang="ko-KR" dirty="0"/>
+          </a:p>
+          <a:p>
+            <a:endParaRPr lang="en-US" altLang="ko-KR" dirty="0"/>
+          </a:p>
+          <a:p>
+            <a:r>
+              <a:rPr lang="ko-KR" altLang="en-US" dirty="0"/>
+              <a:t>전국 일일 폐기물 </a:t>
+            </a:r>
+            <a:r>
+              <a:rPr lang="en-US" altLang="ko-KR" dirty="0"/>
+              <a:t>446,102</a:t>
+            </a:r>
+            <a:r>
+              <a:rPr lang="ko-KR" altLang="en-US" dirty="0"/>
+              <a:t>톤</a:t>
+            </a:r>
+            <a:endParaRPr lang="en-US" altLang="ko-KR" dirty="0"/>
+          </a:p>
+          <a:p>
+            <a:r>
+              <a:rPr lang="ko-KR" altLang="en-US" dirty="0" err="1"/>
+              <a:t>버려질수</a:t>
+            </a:r>
+            <a:r>
+              <a:rPr lang="ko-KR" altLang="en-US" dirty="0"/>
+              <a:t> 있는 물건을 공유</a:t>
+            </a:r>
+            <a:endParaRPr lang="en-US" altLang="ko-KR" dirty="0"/>
+          </a:p>
+          <a:p>
+            <a:pPr marL="0" indent="0">
+              <a:buNone/>
+            </a:pPr>
+            <a:endParaRPr lang="en-US" altLang="ko-KR" dirty="0"/>
+          </a:p>
+          <a:p>
             <a:endParaRPr lang="ko-KR" altLang="en-US" dirty="0"/>
           </a:p>
         </p:txBody>
       </p:sp>
+      <p:pic>
+        <p:nvPicPr>
+          <p:cNvPr id="7" name="Graphic 6" descr="Head with Gears">
+            <a:extLst>
+              <a:ext uri="{FF2B5EF4-FFF2-40B4-BE49-F238E27FC236}">
+                <a16:creationId xmlns:a16="http://schemas.microsoft.com/office/drawing/2014/main" id="{0C29FC8B-BF47-4E27-B73C-44843879661E}"/>
+              </a:ext>
+            </a:extLst>
+          </p:cNvPr>
+          <p:cNvPicPr>
+            <a:picLocks noChangeAspect="1"/>
+          </p:cNvPicPr>
+          <p:nvPr/>
+        </p:nvPicPr>
+        <p:blipFill>
+          <a:blip r:embed="rId3">
+            <a:extLst>
+              <a:ext uri="{28A0092B-C50C-407E-A947-70E740481C1C}">
+                <a14:useLocalDpi xmlns:a14="http://schemas.microsoft.com/office/drawing/2010/main" val="0"/>
+              </a:ext>
+              <a:ext uri="{96DAC541-7B7A-43D3-8B79-37D633B846F1}">
+                <asvg:svgBlip xmlns:asvg="http://schemas.microsoft.com/office/drawing/2016/SVG/main" r:embed="rId4"/>
+              </a:ext>
+            </a:extLst>
+          </a:blip>
+          <a:stretch>
+            <a:fillRect/>
+          </a:stretch>
+        </p:blipFill>
+        <p:spPr>
+          <a:xfrm>
+            <a:off x="6087417" y="2159000"/>
+            <a:ext cx="3145536" cy="3145536"/>
+          </a:xfrm>
+          <a:prstGeom prst="rect">
+            <a:avLst/>
+          </a:prstGeom>
+        </p:spPr>
+      </p:pic>
     </p:spTree>
     <p:extLst>
       <p:ext uri="{BB962C8B-B14F-4D97-AF65-F5344CB8AC3E}">
